--- a/Các mô hình phần mềm 2022.pptx
+++ b/Các mô hình phần mềm 2022.pptx
@@ -9,15 +9,21 @@
     <p:sldId id="258" r:id="rId6"/>
     <p:sldId id="259" r:id="rId7"/>
     <p:sldId id="260" r:id="rId8"/>
-    <p:sldId id="261" r:id="rId9"/>
-    <p:sldId id="262" r:id="rId10"/>
-    <p:sldId id="263" r:id="rId11"/>
-    <p:sldId id="264" r:id="rId12"/>
-    <p:sldId id="265" r:id="rId13"/>
-    <p:sldId id="266" r:id="rId14"/>
-    <p:sldId id="269" r:id="rId15"/>
-    <p:sldId id="267" r:id="rId16"/>
-    <p:sldId id="268" r:id="rId17"/>
+    <p:sldId id="270" r:id="rId9"/>
+    <p:sldId id="261" r:id="rId10"/>
+    <p:sldId id="262" r:id="rId11"/>
+    <p:sldId id="263" r:id="rId12"/>
+    <p:sldId id="272" r:id="rId13"/>
+    <p:sldId id="271" r:id="rId14"/>
+    <p:sldId id="273" r:id="rId15"/>
+    <p:sldId id="274" r:id="rId16"/>
+    <p:sldId id="275" r:id="rId17"/>
+    <p:sldId id="264" r:id="rId18"/>
+    <p:sldId id="265" r:id="rId19"/>
+    <p:sldId id="266" r:id="rId20"/>
+    <p:sldId id="269" r:id="rId21"/>
+    <p:sldId id="267" r:id="rId22"/>
+    <p:sldId id="268" r:id="rId23"/>
   </p:sldIdLst>
   <p:sldSz cx="12192000" cy="6858000"/>
   <p:notesSz cx="6858000" cy="9144000"/>
@@ -130,1034 +136,6 @@
     <p1510:client id="{517E1C9B-0D3F-428D-8356-7878F3AC7728}" v="13" dt="2022-06-23T13:25:31.981"/>
   </p1510:revLst>
 </p1510:revInfo>
-</file>
-
-<file path=ppt/changesInfos/changesInfo1.xml><?xml version="1.0" encoding="utf-8"?>
-<pc:chgInfo xmlns:a="http://schemas.openxmlformats.org/drawingml/2006/main" xmlns:r="http://schemas.openxmlformats.org/officeDocument/2006/relationships" xmlns:ac="http://schemas.microsoft.com/office/drawing/2013/main/command" xmlns:pc="http://schemas.microsoft.com/office/powerpoint/2013/main/command">
-  <pc:docChgLst>
-    <pc:chgData name="Le Duy Hieu 20207671" userId="8eaff0d4-3950-4622-b5ac-1aae5da83347" providerId="ADAL" clId="{517E1C9B-0D3F-428D-8356-7878F3AC7728}"/>
-    <pc:docChg chg="undo custSel addSld delSld modSld sldOrd addMainMaster delMainMaster">
-      <pc:chgData name="Le Duy Hieu 20207671" userId="8eaff0d4-3950-4622-b5ac-1aae5da83347" providerId="ADAL" clId="{517E1C9B-0D3F-428D-8356-7878F3AC7728}" dt="2022-06-23T13:25:31.981" v="1074" actId="122"/>
-      <pc:docMkLst>
-        <pc:docMk/>
-      </pc:docMkLst>
-      <pc:sldChg chg="del">
-        <pc:chgData name="Le Duy Hieu 20207671" userId="8eaff0d4-3950-4622-b5ac-1aae5da83347" providerId="ADAL" clId="{517E1C9B-0D3F-428D-8356-7878F3AC7728}" dt="2022-06-23T12:48:32.419" v="0" actId="2696"/>
-        <pc:sldMkLst>
-          <pc:docMk/>
-          <pc:sldMk cId="219608574" sldId="256"/>
-        </pc:sldMkLst>
-      </pc:sldChg>
-      <pc:sldChg chg="addSp delSp modSp mod setBg modClrScheme setClrOvrMap chgLayout">
-        <pc:chgData name="Le Duy Hieu 20207671" userId="8eaff0d4-3950-4622-b5ac-1aae5da83347" providerId="ADAL" clId="{517E1C9B-0D3F-428D-8356-7878F3AC7728}" dt="2022-06-23T13:01:28.869" v="115" actId="2711"/>
-        <pc:sldMkLst>
-          <pc:docMk/>
-          <pc:sldMk cId="2739650009" sldId="257"/>
-        </pc:sldMkLst>
-        <pc:spChg chg="mod ord">
-          <ac:chgData name="Le Duy Hieu 20207671" userId="8eaff0d4-3950-4622-b5ac-1aae5da83347" providerId="ADAL" clId="{517E1C9B-0D3F-428D-8356-7878F3AC7728}" dt="2022-06-23T13:01:22.848" v="114" actId="2711"/>
-          <ac:spMkLst>
-            <pc:docMk/>
-            <pc:sldMk cId="2739650009" sldId="257"/>
-            <ac:spMk id="2" creationId="{759852C8-32E6-3831-1E81-12B9F767CCF3}"/>
-          </ac:spMkLst>
-        </pc:spChg>
-        <pc:spChg chg="del mod ord">
-          <ac:chgData name="Le Duy Hieu 20207671" userId="8eaff0d4-3950-4622-b5ac-1aae5da83347" providerId="ADAL" clId="{517E1C9B-0D3F-428D-8356-7878F3AC7728}" dt="2022-06-23T12:59:10.295" v="51" actId="700"/>
-          <ac:spMkLst>
-            <pc:docMk/>
-            <pc:sldMk cId="2739650009" sldId="257"/>
-            <ac:spMk id="3" creationId="{C8124129-EE9A-1829-0318-AB4CB8E0E59E}"/>
-          </ac:spMkLst>
-        </pc:spChg>
-        <pc:spChg chg="add mod ord">
-          <ac:chgData name="Le Duy Hieu 20207671" userId="8eaff0d4-3950-4622-b5ac-1aae5da83347" providerId="ADAL" clId="{517E1C9B-0D3F-428D-8356-7878F3AC7728}" dt="2022-06-23T13:01:28.869" v="115" actId="2711"/>
-          <ac:spMkLst>
-            <pc:docMk/>
-            <pc:sldMk cId="2739650009" sldId="257"/>
-            <ac:spMk id="4" creationId="{3D07E49A-C5FF-3613-728A-0ECAA72818D6}"/>
-          </ac:spMkLst>
-        </pc:spChg>
-        <pc:spChg chg="add">
-          <ac:chgData name="Le Duy Hieu 20207671" userId="8eaff0d4-3950-4622-b5ac-1aae5da83347" providerId="ADAL" clId="{517E1C9B-0D3F-428D-8356-7878F3AC7728}" dt="2022-06-23T13:01:16.043" v="113" actId="26606"/>
-          <ac:spMkLst>
-            <pc:docMk/>
-            <pc:sldMk cId="2739650009" sldId="257"/>
-            <ac:spMk id="7" creationId="{4AA13AD3-0A4F-475A-BEBB-DEEFF5C096C3}"/>
-          </ac:spMkLst>
-        </pc:spChg>
-        <pc:spChg chg="add del">
-          <ac:chgData name="Le Duy Hieu 20207671" userId="8eaff0d4-3950-4622-b5ac-1aae5da83347" providerId="ADAL" clId="{517E1C9B-0D3F-428D-8356-7878F3AC7728}" dt="2022-06-23T13:01:05.517" v="112" actId="26606"/>
-          <ac:spMkLst>
-            <pc:docMk/>
-            <pc:sldMk cId="2739650009" sldId="257"/>
-            <ac:spMk id="9" creationId="{8EF32ACB-37F7-4E27-BDBC-67A94864F506}"/>
-          </ac:spMkLst>
-        </pc:spChg>
-        <pc:spChg chg="add">
-          <ac:chgData name="Le Duy Hieu 20207671" userId="8eaff0d4-3950-4622-b5ac-1aae5da83347" providerId="ADAL" clId="{517E1C9B-0D3F-428D-8356-7878F3AC7728}" dt="2022-06-23T13:01:16.043" v="113" actId="26606"/>
-          <ac:spMkLst>
-            <pc:docMk/>
-            <pc:sldMk cId="2739650009" sldId="257"/>
-            <ac:spMk id="10" creationId="{52F9B1C2-7D20-4F91-A660-197C98B9A3B1}"/>
-          </ac:spMkLst>
-        </pc:spChg>
-        <pc:spChg chg="add del">
-          <ac:chgData name="Le Duy Hieu 20207671" userId="8eaff0d4-3950-4622-b5ac-1aae5da83347" providerId="ADAL" clId="{517E1C9B-0D3F-428D-8356-7878F3AC7728}" dt="2022-06-23T13:01:05.517" v="112" actId="26606"/>
-          <ac:spMkLst>
-            <pc:docMk/>
-            <pc:sldMk cId="2739650009" sldId="257"/>
-            <ac:spMk id="11" creationId="{DEAF34AB-AE16-45B5-ABC1-801F062234F5}"/>
-          </ac:spMkLst>
-        </pc:spChg>
-        <pc:spChg chg="add">
-          <ac:chgData name="Le Duy Hieu 20207671" userId="8eaff0d4-3950-4622-b5ac-1aae5da83347" providerId="ADAL" clId="{517E1C9B-0D3F-428D-8356-7878F3AC7728}" dt="2022-06-23T13:01:16.043" v="113" actId="26606"/>
-          <ac:spMkLst>
-            <pc:docMk/>
-            <pc:sldMk cId="2739650009" sldId="257"/>
-            <ac:spMk id="12" creationId="{A89C4E6E-ECA4-40E5-A54E-13E92B678E8C}"/>
-          </ac:spMkLst>
-        </pc:spChg>
-        <pc:spChg chg="add del">
-          <ac:chgData name="Le Duy Hieu 20207671" userId="8eaff0d4-3950-4622-b5ac-1aae5da83347" providerId="ADAL" clId="{517E1C9B-0D3F-428D-8356-7878F3AC7728}" dt="2022-06-23T13:01:05.517" v="112" actId="26606"/>
-          <ac:spMkLst>
-            <pc:docMk/>
-            <pc:sldMk cId="2739650009" sldId="257"/>
-            <ac:spMk id="13" creationId="{640449D5-DE6C-45AB-811E-29321C591CD6}"/>
-          </ac:spMkLst>
-        </pc:spChg>
-        <pc:grpChg chg="add del">
-          <ac:chgData name="Le Duy Hieu 20207671" userId="8eaff0d4-3950-4622-b5ac-1aae5da83347" providerId="ADAL" clId="{517E1C9B-0D3F-428D-8356-7878F3AC7728}" dt="2022-06-23T13:01:05.517" v="112" actId="26606"/>
-          <ac:grpSpMkLst>
-            <pc:docMk/>
-            <pc:sldMk cId="2739650009" sldId="257"/>
-            <ac:grpSpMk id="15" creationId="{222480C3-21A7-43F5-9070-D4ACB7435A94}"/>
-          </ac:grpSpMkLst>
-        </pc:grpChg>
-        <pc:picChg chg="add del mod">
-          <ac:chgData name="Le Duy Hieu 20207671" userId="8eaff0d4-3950-4622-b5ac-1aae5da83347" providerId="ADAL" clId="{517E1C9B-0D3F-428D-8356-7878F3AC7728}" dt="2022-06-23T13:01:05.517" v="112" actId="26606"/>
-          <ac:picMkLst>
-            <pc:docMk/>
-            <pc:sldMk cId="2739650009" sldId="257"/>
-            <ac:picMk id="6" creationId="{071967C5-5BD7-26B4-AC49-BEA70C11B74B}"/>
-          </ac:picMkLst>
-        </pc:picChg>
-        <pc:picChg chg="add">
-          <ac:chgData name="Le Duy Hieu 20207671" userId="8eaff0d4-3950-4622-b5ac-1aae5da83347" providerId="ADAL" clId="{517E1C9B-0D3F-428D-8356-7878F3AC7728}" dt="2022-06-23T13:01:16.043" v="113" actId="26606"/>
-          <ac:picMkLst>
-            <pc:docMk/>
-            <pc:sldMk cId="2739650009" sldId="257"/>
-            <ac:picMk id="8" creationId="{FD0AE766-03F0-6A50-E5FC-945F90363C1F}"/>
-          </ac:picMkLst>
-        </pc:picChg>
-      </pc:sldChg>
-      <pc:sldChg chg="addSp delSp modSp new mod">
-        <pc:chgData name="Le Duy Hieu 20207671" userId="8eaff0d4-3950-4622-b5ac-1aae5da83347" providerId="ADAL" clId="{517E1C9B-0D3F-428D-8356-7878F3AC7728}" dt="2022-06-23T13:06:58.259" v="426" actId="113"/>
-        <pc:sldMkLst>
-          <pc:docMk/>
-          <pc:sldMk cId="3427064411" sldId="258"/>
-        </pc:sldMkLst>
-        <pc:spChg chg="mod">
-          <ac:chgData name="Le Duy Hieu 20207671" userId="8eaff0d4-3950-4622-b5ac-1aae5da83347" providerId="ADAL" clId="{517E1C9B-0D3F-428D-8356-7878F3AC7728}" dt="2022-06-23T13:06:58.259" v="426" actId="113"/>
-          <ac:spMkLst>
-            <pc:docMk/>
-            <pc:sldMk cId="3427064411" sldId="258"/>
-            <ac:spMk id="2" creationId="{46140A85-49F3-AF06-E4E2-5094ED459F4D}"/>
-          </ac:spMkLst>
-        </pc:spChg>
-        <pc:spChg chg="del mod">
-          <ac:chgData name="Le Duy Hieu 20207671" userId="8eaff0d4-3950-4622-b5ac-1aae5da83347" providerId="ADAL" clId="{517E1C9B-0D3F-428D-8356-7878F3AC7728}" dt="2022-06-23T13:03:31.259" v="280" actId="26606"/>
-          <ac:spMkLst>
-            <pc:docMk/>
-            <pc:sldMk cId="3427064411" sldId="258"/>
-            <ac:spMk id="3" creationId="{E04E8C2E-C80A-E63A-00A6-5F1133959F4F}"/>
-          </ac:spMkLst>
-        </pc:spChg>
-        <pc:graphicFrameChg chg="add mod">
-          <ac:chgData name="Le Duy Hieu 20207671" userId="8eaff0d4-3950-4622-b5ac-1aae5da83347" providerId="ADAL" clId="{517E1C9B-0D3F-428D-8356-7878F3AC7728}" dt="2022-06-23T13:03:53.847" v="284" actId="2711"/>
-          <ac:graphicFrameMkLst>
-            <pc:docMk/>
-            <pc:sldMk cId="3427064411" sldId="258"/>
-            <ac:graphicFrameMk id="5" creationId="{7E383305-9411-E410-4523-6815C4C87E11}"/>
-          </ac:graphicFrameMkLst>
-        </pc:graphicFrameChg>
-      </pc:sldChg>
-      <pc:sldChg chg="addSp delSp modSp new mod modClrScheme chgLayout">
-        <pc:chgData name="Le Duy Hieu 20207671" userId="8eaff0d4-3950-4622-b5ac-1aae5da83347" providerId="ADAL" clId="{517E1C9B-0D3F-428D-8356-7878F3AC7728}" dt="2022-06-23T13:06:50.947" v="424" actId="255"/>
-        <pc:sldMkLst>
-          <pc:docMk/>
-          <pc:sldMk cId="16754005" sldId="259"/>
-        </pc:sldMkLst>
-        <pc:spChg chg="del mod ord">
-          <ac:chgData name="Le Duy Hieu 20207671" userId="8eaff0d4-3950-4622-b5ac-1aae5da83347" providerId="ADAL" clId="{517E1C9B-0D3F-428D-8356-7878F3AC7728}" dt="2022-06-23T13:06:15.111" v="382" actId="700"/>
-          <ac:spMkLst>
-            <pc:docMk/>
-            <pc:sldMk cId="16754005" sldId="259"/>
-            <ac:spMk id="2" creationId="{8A093229-1EBE-C466-0AD0-BAD882730334}"/>
-          </ac:spMkLst>
-        </pc:spChg>
-        <pc:spChg chg="del mod ord">
-          <ac:chgData name="Le Duy Hieu 20207671" userId="8eaff0d4-3950-4622-b5ac-1aae5da83347" providerId="ADAL" clId="{517E1C9B-0D3F-428D-8356-7878F3AC7728}" dt="2022-06-23T13:06:15.111" v="382" actId="700"/>
-          <ac:spMkLst>
-            <pc:docMk/>
-            <pc:sldMk cId="16754005" sldId="259"/>
-            <ac:spMk id="3" creationId="{04565017-92B5-20FA-AC06-9478431F6F57}"/>
-          </ac:spMkLst>
-        </pc:spChg>
-        <pc:spChg chg="add mod ord">
-          <ac:chgData name="Le Duy Hieu 20207671" userId="8eaff0d4-3950-4622-b5ac-1aae5da83347" providerId="ADAL" clId="{517E1C9B-0D3F-428D-8356-7878F3AC7728}" dt="2022-06-23T13:06:50.947" v="424" actId="255"/>
-          <ac:spMkLst>
-            <pc:docMk/>
-            <pc:sldMk cId="16754005" sldId="259"/>
-            <ac:spMk id="4" creationId="{98B6D7BF-2C61-F81C-9947-0979A9305F93}"/>
-          </ac:spMkLst>
-        </pc:spChg>
-        <pc:spChg chg="add del mod ord">
-          <ac:chgData name="Le Duy Hieu 20207671" userId="8eaff0d4-3950-4622-b5ac-1aae5da83347" providerId="ADAL" clId="{517E1C9B-0D3F-428D-8356-7878F3AC7728}" dt="2022-06-23T13:06:40.836" v="421" actId="478"/>
-          <ac:spMkLst>
-            <pc:docMk/>
-            <pc:sldMk cId="16754005" sldId="259"/>
-            <ac:spMk id="5" creationId="{125861C8-AA24-A966-E322-6E14748F419F}"/>
-          </ac:spMkLst>
-        </pc:spChg>
-      </pc:sldChg>
-      <pc:sldChg chg="addSp delSp modSp new del mod modClrScheme chgLayout">
-        <pc:chgData name="Le Duy Hieu 20207671" userId="8eaff0d4-3950-4622-b5ac-1aae5da83347" providerId="ADAL" clId="{517E1C9B-0D3F-428D-8356-7878F3AC7728}" dt="2022-06-23T13:06:09.174" v="380" actId="2696"/>
-        <pc:sldMkLst>
-          <pc:docMk/>
-          <pc:sldMk cId="3905763510" sldId="259"/>
-        </pc:sldMkLst>
-        <pc:spChg chg="mod ord">
-          <ac:chgData name="Le Duy Hieu 20207671" userId="8eaff0d4-3950-4622-b5ac-1aae5da83347" providerId="ADAL" clId="{517E1C9B-0D3F-428D-8356-7878F3AC7728}" dt="2022-06-23T13:06:05.512" v="379" actId="27636"/>
-          <ac:spMkLst>
-            <pc:docMk/>
-            <pc:sldMk cId="3905763510" sldId="259"/>
-            <ac:spMk id="2" creationId="{78E9399C-2908-F228-39A4-3B21DCFE6888}"/>
-          </ac:spMkLst>
-        </pc:spChg>
-        <pc:spChg chg="del">
-          <ac:chgData name="Le Duy Hieu 20207671" userId="8eaff0d4-3950-4622-b5ac-1aae5da83347" providerId="ADAL" clId="{517E1C9B-0D3F-428D-8356-7878F3AC7728}" dt="2022-06-23T13:05:11.945" v="326" actId="700"/>
-          <ac:spMkLst>
-            <pc:docMk/>
-            <pc:sldMk cId="3905763510" sldId="259"/>
-            <ac:spMk id="3" creationId="{833A0B8C-5B52-2B0B-FAC3-7118CC946198}"/>
-          </ac:spMkLst>
-        </pc:spChg>
-        <pc:spChg chg="add mod">
-          <ac:chgData name="Le Duy Hieu 20207671" userId="8eaff0d4-3950-4622-b5ac-1aae5da83347" providerId="ADAL" clId="{517E1C9B-0D3F-428D-8356-7878F3AC7728}" dt="2022-06-23T13:05:47.706" v="364" actId="20577"/>
-          <ac:spMkLst>
-            <pc:docMk/>
-            <pc:sldMk cId="3905763510" sldId="259"/>
-            <ac:spMk id="4" creationId="{C09B3E0E-E07A-8C9C-ADDE-14610C03CB09}"/>
-          </ac:spMkLst>
-        </pc:spChg>
-      </pc:sldChg>
-      <pc:sldChg chg="addSp delSp modSp new mod setBg addAnim delAnim">
-        <pc:chgData name="Le Duy Hieu 20207671" userId="8eaff0d4-3950-4622-b5ac-1aae5da83347" providerId="ADAL" clId="{517E1C9B-0D3F-428D-8356-7878F3AC7728}" dt="2022-06-23T13:14:51.539" v="654" actId="1076"/>
-        <pc:sldMkLst>
-          <pc:docMk/>
-          <pc:sldMk cId="737464989" sldId="260"/>
-        </pc:sldMkLst>
-        <pc:spChg chg="mod ord">
-          <ac:chgData name="Le Duy Hieu 20207671" userId="8eaff0d4-3950-4622-b5ac-1aae5da83347" providerId="ADAL" clId="{517E1C9B-0D3F-428D-8356-7878F3AC7728}" dt="2022-06-23T13:11:37.710" v="490" actId="26606"/>
-          <ac:spMkLst>
-            <pc:docMk/>
-            <pc:sldMk cId="737464989" sldId="260"/>
-            <ac:spMk id="2" creationId="{B27C6C76-5C8F-D999-B16D-8FF63D17E3FE}"/>
-          </ac:spMkLst>
-        </pc:spChg>
-        <pc:spChg chg="del">
-          <ac:chgData name="Le Duy Hieu 20207671" userId="8eaff0d4-3950-4622-b5ac-1aae5da83347" providerId="ADAL" clId="{517E1C9B-0D3F-428D-8356-7878F3AC7728}" dt="2022-06-23T13:09:28.421" v="445" actId="478"/>
-          <ac:spMkLst>
-            <pc:docMk/>
-            <pc:sldMk cId="737464989" sldId="260"/>
-            <ac:spMk id="3" creationId="{D6087346-7608-46D1-BE9B-76A8202FBC8E}"/>
-          </ac:spMkLst>
-        </pc:spChg>
-        <pc:spChg chg="add del">
-          <ac:chgData name="Le Duy Hieu 20207671" userId="8eaff0d4-3950-4622-b5ac-1aae5da83347" providerId="ADAL" clId="{517E1C9B-0D3F-428D-8356-7878F3AC7728}" dt="2022-06-23T13:11:37.710" v="490" actId="26606"/>
-          <ac:spMkLst>
-            <pc:docMk/>
-            <pc:sldMk cId="737464989" sldId="260"/>
-            <ac:spMk id="10" creationId="{09A1C012-8297-4361-ACE8-A2509FB18911}"/>
-          </ac:spMkLst>
-        </pc:spChg>
-        <pc:spChg chg="add del">
-          <ac:chgData name="Le Duy Hieu 20207671" userId="8eaff0d4-3950-4622-b5ac-1aae5da83347" providerId="ADAL" clId="{517E1C9B-0D3F-428D-8356-7878F3AC7728}" dt="2022-06-23T13:11:37.710" v="490" actId="26606"/>
-          <ac:spMkLst>
-            <pc:docMk/>
-            <pc:sldMk cId="737464989" sldId="260"/>
-            <ac:spMk id="12" creationId="{4AA13AD3-0A4F-475A-BEBB-DEEFF5C096C3}"/>
-          </ac:spMkLst>
-        </pc:spChg>
-        <pc:spChg chg="add del">
-          <ac:chgData name="Le Duy Hieu 20207671" userId="8eaff0d4-3950-4622-b5ac-1aae5da83347" providerId="ADAL" clId="{517E1C9B-0D3F-428D-8356-7878F3AC7728}" dt="2022-06-23T13:11:37.710" v="490" actId="26606"/>
-          <ac:spMkLst>
-            <pc:docMk/>
-            <pc:sldMk cId="737464989" sldId="260"/>
-            <ac:spMk id="14" creationId="{1C2F3FA0-960A-435A-AC72-8ADCBF50F7D2}"/>
-          </ac:spMkLst>
-        </pc:spChg>
-        <pc:picChg chg="add mod">
-          <ac:chgData name="Le Duy Hieu 20207671" userId="8eaff0d4-3950-4622-b5ac-1aae5da83347" providerId="ADAL" clId="{517E1C9B-0D3F-428D-8356-7878F3AC7728}" dt="2022-06-23T13:14:51.539" v="654" actId="1076"/>
-          <ac:picMkLst>
-            <pc:docMk/>
-            <pc:sldMk cId="737464989" sldId="260"/>
-            <ac:picMk id="5" creationId="{2C942846-9E07-DD2D-692C-5DF057612EB7}"/>
-          </ac:picMkLst>
-        </pc:picChg>
-      </pc:sldChg>
-      <pc:sldChg chg="addSp delSp modSp new mod">
-        <pc:chgData name="Le Duy Hieu 20207671" userId="8eaff0d4-3950-4622-b5ac-1aae5da83347" providerId="ADAL" clId="{517E1C9B-0D3F-428D-8356-7878F3AC7728}" dt="2022-06-23T13:17:29.119" v="710" actId="122"/>
-        <pc:sldMkLst>
-          <pc:docMk/>
-          <pc:sldMk cId="1754443260" sldId="261"/>
-        </pc:sldMkLst>
-        <pc:spChg chg="mod">
-          <ac:chgData name="Le Duy Hieu 20207671" userId="8eaff0d4-3950-4622-b5ac-1aae5da83347" providerId="ADAL" clId="{517E1C9B-0D3F-428D-8356-7878F3AC7728}" dt="2022-06-23T13:17:29.119" v="710" actId="122"/>
-          <ac:spMkLst>
-            <pc:docMk/>
-            <pc:sldMk cId="1754443260" sldId="261"/>
-            <ac:spMk id="2" creationId="{446FEC85-15BF-A137-4BC5-CF65AE837107}"/>
-          </ac:spMkLst>
-        </pc:spChg>
-        <pc:spChg chg="del mod">
-          <ac:chgData name="Le Duy Hieu 20207671" userId="8eaff0d4-3950-4622-b5ac-1aae5da83347" providerId="ADAL" clId="{517E1C9B-0D3F-428D-8356-7878F3AC7728}" dt="2022-06-23T13:14:22.399" v="651" actId="478"/>
-          <ac:spMkLst>
-            <pc:docMk/>
-            <pc:sldMk cId="1754443260" sldId="261"/>
-            <ac:spMk id="3" creationId="{BEAE09D2-C03B-4B95-FEA9-C2214455A9DB}"/>
-          </ac:spMkLst>
-        </pc:spChg>
-        <pc:picChg chg="add mod modCrop">
-          <ac:chgData name="Le Duy Hieu 20207671" userId="8eaff0d4-3950-4622-b5ac-1aae5da83347" providerId="ADAL" clId="{517E1C9B-0D3F-428D-8356-7878F3AC7728}" dt="2022-06-23T13:15:20.469" v="658" actId="1076"/>
-          <ac:picMkLst>
-            <pc:docMk/>
-            <pc:sldMk cId="1754443260" sldId="261"/>
-            <ac:picMk id="5" creationId="{0FDCA0F6-9003-01C0-F1CF-AC0BDD4803C4}"/>
-          </ac:picMkLst>
-        </pc:picChg>
-      </pc:sldChg>
-      <pc:sldChg chg="addSp delSp modSp add mod">
-        <pc:chgData name="Le Duy Hieu 20207671" userId="8eaff0d4-3950-4622-b5ac-1aae5da83347" providerId="ADAL" clId="{517E1C9B-0D3F-428D-8356-7878F3AC7728}" dt="2022-06-23T13:17:26.479" v="709" actId="122"/>
-        <pc:sldMkLst>
-          <pc:docMk/>
-          <pc:sldMk cId="3520333253" sldId="262"/>
-        </pc:sldMkLst>
-        <pc:spChg chg="mod">
-          <ac:chgData name="Le Duy Hieu 20207671" userId="8eaff0d4-3950-4622-b5ac-1aae5da83347" providerId="ADAL" clId="{517E1C9B-0D3F-428D-8356-7878F3AC7728}" dt="2022-06-23T13:17:26.479" v="709" actId="122"/>
-          <ac:spMkLst>
-            <pc:docMk/>
-            <pc:sldMk cId="3520333253" sldId="262"/>
-            <ac:spMk id="2" creationId="{446FEC85-15BF-A137-4BC5-CF65AE837107}"/>
-          </ac:spMkLst>
-        </pc:spChg>
-        <pc:picChg chg="add mod">
-          <ac:chgData name="Le Duy Hieu 20207671" userId="8eaff0d4-3950-4622-b5ac-1aae5da83347" providerId="ADAL" clId="{517E1C9B-0D3F-428D-8356-7878F3AC7728}" dt="2022-06-23T13:16:31.899" v="689" actId="1076"/>
-          <ac:picMkLst>
-            <pc:docMk/>
-            <pc:sldMk cId="3520333253" sldId="262"/>
-            <ac:picMk id="4" creationId="{5F298510-8DF7-58A8-A2CA-8E3ACDCFD620}"/>
-          </ac:picMkLst>
-        </pc:picChg>
-        <pc:picChg chg="del">
-          <ac:chgData name="Le Duy Hieu 20207671" userId="8eaff0d4-3950-4622-b5ac-1aae5da83347" providerId="ADAL" clId="{517E1C9B-0D3F-428D-8356-7878F3AC7728}" dt="2022-06-23T13:16:08.179" v="661" actId="478"/>
-          <ac:picMkLst>
-            <pc:docMk/>
-            <pc:sldMk cId="3520333253" sldId="262"/>
-            <ac:picMk id="5" creationId="{0FDCA0F6-9003-01C0-F1CF-AC0BDD4803C4}"/>
-          </ac:picMkLst>
-        </pc:picChg>
-      </pc:sldChg>
-      <pc:sldChg chg="addSp delSp modSp add mod">
-        <pc:chgData name="Le Duy Hieu 20207671" userId="8eaff0d4-3950-4622-b5ac-1aae5da83347" providerId="ADAL" clId="{517E1C9B-0D3F-428D-8356-7878F3AC7728}" dt="2022-06-23T13:17:23.309" v="708" actId="122"/>
-        <pc:sldMkLst>
-          <pc:docMk/>
-          <pc:sldMk cId="1987814316" sldId="263"/>
-        </pc:sldMkLst>
-        <pc:spChg chg="mod">
-          <ac:chgData name="Le Duy Hieu 20207671" userId="8eaff0d4-3950-4622-b5ac-1aae5da83347" providerId="ADAL" clId="{517E1C9B-0D3F-428D-8356-7878F3AC7728}" dt="2022-06-23T13:17:23.309" v="708" actId="122"/>
-          <ac:spMkLst>
-            <pc:docMk/>
-            <pc:sldMk cId="1987814316" sldId="263"/>
-            <ac:spMk id="2" creationId="{446FEC85-15BF-A137-4BC5-CF65AE837107}"/>
-          </ac:spMkLst>
-        </pc:spChg>
-        <pc:picChg chg="add mod">
-          <ac:chgData name="Le Duy Hieu 20207671" userId="8eaff0d4-3950-4622-b5ac-1aae5da83347" providerId="ADAL" clId="{517E1C9B-0D3F-428D-8356-7878F3AC7728}" dt="2022-06-23T13:17:15.715" v="707" actId="1076"/>
-          <ac:picMkLst>
-            <pc:docMk/>
-            <pc:sldMk cId="1987814316" sldId="263"/>
-            <ac:picMk id="4" creationId="{2B11A82F-7651-49FB-5B33-AD30D329E36D}"/>
-          </ac:picMkLst>
-        </pc:picChg>
-        <pc:picChg chg="del">
-          <ac:chgData name="Le Duy Hieu 20207671" userId="8eaff0d4-3950-4622-b5ac-1aae5da83347" providerId="ADAL" clId="{517E1C9B-0D3F-428D-8356-7878F3AC7728}" dt="2022-06-23T13:16:59.769" v="701" actId="478"/>
-          <ac:picMkLst>
-            <pc:docMk/>
-            <pc:sldMk cId="1987814316" sldId="263"/>
-            <ac:picMk id="5" creationId="{0FDCA0F6-9003-01C0-F1CF-AC0BDD4803C4}"/>
-          </ac:picMkLst>
-        </pc:picChg>
-      </pc:sldChg>
-      <pc:sldChg chg="modSp add mod ord">
-        <pc:chgData name="Le Duy Hieu 20207671" userId="8eaff0d4-3950-4622-b5ac-1aae5da83347" providerId="ADAL" clId="{517E1C9B-0D3F-428D-8356-7878F3AC7728}" dt="2022-06-23T13:18:57.429" v="746" actId="20577"/>
-        <pc:sldMkLst>
-          <pc:docMk/>
-          <pc:sldMk cId="1581355281" sldId="264"/>
-        </pc:sldMkLst>
-        <pc:spChg chg="mod">
-          <ac:chgData name="Le Duy Hieu 20207671" userId="8eaff0d4-3950-4622-b5ac-1aae5da83347" providerId="ADAL" clId="{517E1C9B-0D3F-428D-8356-7878F3AC7728}" dt="2022-06-23T13:18:57.429" v="746" actId="20577"/>
-          <ac:spMkLst>
-            <pc:docMk/>
-            <pc:sldMk cId="1581355281" sldId="264"/>
-            <ac:spMk id="4" creationId="{98B6D7BF-2C61-F81C-9947-0979A9305F93}"/>
-          </ac:spMkLst>
-        </pc:spChg>
-      </pc:sldChg>
-      <pc:sldChg chg="addSp delSp modSp new mod">
-        <pc:chgData name="Le Duy Hieu 20207671" userId="8eaff0d4-3950-4622-b5ac-1aae5da83347" providerId="ADAL" clId="{517E1C9B-0D3F-428D-8356-7878F3AC7728}" dt="2022-06-23T13:19:40.944" v="790" actId="113"/>
-        <pc:sldMkLst>
-          <pc:docMk/>
-          <pc:sldMk cId="2380826150" sldId="265"/>
-        </pc:sldMkLst>
-        <pc:spChg chg="mod">
-          <ac:chgData name="Le Duy Hieu 20207671" userId="8eaff0d4-3950-4622-b5ac-1aae5da83347" providerId="ADAL" clId="{517E1C9B-0D3F-428D-8356-7878F3AC7728}" dt="2022-06-23T13:19:40.944" v="790" actId="113"/>
-          <ac:spMkLst>
-            <pc:docMk/>
-            <pc:sldMk cId="2380826150" sldId="265"/>
-            <ac:spMk id="2" creationId="{DC306B4C-96BF-642A-2B80-0A5C6683930E}"/>
-          </ac:spMkLst>
-        </pc:spChg>
-        <pc:spChg chg="del mod">
-          <ac:chgData name="Le Duy Hieu 20207671" userId="8eaff0d4-3950-4622-b5ac-1aae5da83347" providerId="ADAL" clId="{517E1C9B-0D3F-428D-8356-7878F3AC7728}" dt="2022-06-23T13:19:32.279" v="788" actId="26606"/>
-          <ac:spMkLst>
-            <pc:docMk/>
-            <pc:sldMk cId="2380826150" sldId="265"/>
-            <ac:spMk id="3" creationId="{E16DD5B9-BCE9-A488-054D-3EE01F157B46}"/>
-          </ac:spMkLst>
-        </pc:spChg>
-        <pc:graphicFrameChg chg="add">
-          <ac:chgData name="Le Duy Hieu 20207671" userId="8eaff0d4-3950-4622-b5ac-1aae5da83347" providerId="ADAL" clId="{517E1C9B-0D3F-428D-8356-7878F3AC7728}" dt="2022-06-23T13:19:32.279" v="788" actId="26606"/>
-          <ac:graphicFrameMkLst>
-            <pc:docMk/>
-            <pc:sldMk cId="2380826150" sldId="265"/>
-            <ac:graphicFrameMk id="5" creationId="{284D7CE5-D165-D3B9-1EE6-719E958A43D0}"/>
-          </ac:graphicFrameMkLst>
-        </pc:graphicFrameChg>
-      </pc:sldChg>
-      <pc:sldChg chg="add del">
-        <pc:chgData name="Le Duy Hieu 20207671" userId="8eaff0d4-3950-4622-b5ac-1aae5da83347" providerId="ADAL" clId="{517E1C9B-0D3F-428D-8356-7878F3AC7728}" dt="2022-06-23T13:20:04.139" v="792" actId="2890"/>
-        <pc:sldMkLst>
-          <pc:docMk/>
-          <pc:sldMk cId="1106179465" sldId="266"/>
-        </pc:sldMkLst>
-      </pc:sldChg>
-      <pc:sldChg chg="addSp delSp modSp new mod setBg">
-        <pc:chgData name="Le Duy Hieu 20207671" userId="8eaff0d4-3950-4622-b5ac-1aae5da83347" providerId="ADAL" clId="{517E1C9B-0D3F-428D-8356-7878F3AC7728}" dt="2022-06-23T13:22:30.530" v="857" actId="122"/>
-        <pc:sldMkLst>
-          <pc:docMk/>
-          <pc:sldMk cId="1262101366" sldId="266"/>
-        </pc:sldMkLst>
-        <pc:spChg chg="mod">
-          <ac:chgData name="Le Duy Hieu 20207671" userId="8eaff0d4-3950-4622-b5ac-1aae5da83347" providerId="ADAL" clId="{517E1C9B-0D3F-428D-8356-7878F3AC7728}" dt="2022-06-23T13:22:30.530" v="857" actId="122"/>
-          <ac:spMkLst>
-            <pc:docMk/>
-            <pc:sldMk cId="1262101366" sldId="266"/>
-            <ac:spMk id="2" creationId="{C5D0BC82-688B-F645-CBC9-D2B13C24C306}"/>
-          </ac:spMkLst>
-        </pc:spChg>
-        <pc:spChg chg="add del mod">
-          <ac:chgData name="Le Duy Hieu 20207671" userId="8eaff0d4-3950-4622-b5ac-1aae5da83347" providerId="ADAL" clId="{517E1C9B-0D3F-428D-8356-7878F3AC7728}" dt="2022-06-23T13:22:02.679" v="854" actId="26606"/>
-          <ac:spMkLst>
-            <pc:docMk/>
-            <pc:sldMk cId="1262101366" sldId="266"/>
-            <ac:spMk id="3" creationId="{C2A3DC4D-12BC-10D9-FB6C-32591115A615}"/>
-          </ac:spMkLst>
-        </pc:spChg>
-        <pc:spChg chg="add">
-          <ac:chgData name="Le Duy Hieu 20207671" userId="8eaff0d4-3950-4622-b5ac-1aae5da83347" providerId="ADAL" clId="{517E1C9B-0D3F-428D-8356-7878F3AC7728}" dt="2022-06-23T13:22:02.679" v="854" actId="26606"/>
-          <ac:spMkLst>
-            <pc:docMk/>
-            <pc:sldMk cId="1262101366" sldId="266"/>
-            <ac:spMk id="9" creationId="{EB6D1D7F-141C-4D8E-BFBA-D95B68E16385}"/>
-          </ac:spMkLst>
-        </pc:spChg>
-        <pc:spChg chg="add del">
-          <ac:chgData name="Le Duy Hieu 20207671" userId="8eaff0d4-3950-4622-b5ac-1aae5da83347" providerId="ADAL" clId="{517E1C9B-0D3F-428D-8356-7878F3AC7728}" dt="2022-06-23T13:21:46.862" v="851" actId="26606"/>
-          <ac:spMkLst>
-            <pc:docMk/>
-            <pc:sldMk cId="1262101366" sldId="266"/>
-            <ac:spMk id="10" creationId="{F58FB36D-73B3-45EF-8CD4-221CCC8BE09F}"/>
-          </ac:spMkLst>
-        </pc:spChg>
-        <pc:spChg chg="add">
-          <ac:chgData name="Le Duy Hieu 20207671" userId="8eaff0d4-3950-4622-b5ac-1aae5da83347" providerId="ADAL" clId="{517E1C9B-0D3F-428D-8356-7878F3AC7728}" dt="2022-06-23T13:22:02.679" v="854" actId="26606"/>
-          <ac:spMkLst>
-            <pc:docMk/>
-            <pc:sldMk cId="1262101366" sldId="266"/>
-            <ac:spMk id="11" creationId="{558DA214-7FDA-4C9D-A7CF-9AD725E290E1}"/>
-          </ac:spMkLst>
-        </pc:spChg>
-        <pc:spChg chg="add del">
-          <ac:chgData name="Le Duy Hieu 20207671" userId="8eaff0d4-3950-4622-b5ac-1aae5da83347" providerId="ADAL" clId="{517E1C9B-0D3F-428D-8356-7878F3AC7728}" dt="2022-06-23T13:21:46.862" v="851" actId="26606"/>
-          <ac:spMkLst>
-            <pc:docMk/>
-            <pc:sldMk cId="1262101366" sldId="266"/>
-            <ac:spMk id="12" creationId="{4D7835D7-DF12-420F-843A-1C5083D2B3F8}"/>
-          </ac:spMkLst>
-        </pc:spChg>
-        <pc:graphicFrameChg chg="add del">
-          <ac:chgData name="Le Duy Hieu 20207671" userId="8eaff0d4-3950-4622-b5ac-1aae5da83347" providerId="ADAL" clId="{517E1C9B-0D3F-428D-8356-7878F3AC7728}" dt="2022-06-23T13:22:02.669" v="853" actId="26606"/>
-          <ac:graphicFrameMkLst>
-            <pc:docMk/>
-            <pc:sldMk cId="1262101366" sldId="266"/>
-            <ac:graphicFrameMk id="5" creationId="{8F0244B7-68C6-73E4-C14A-EE215C877166}"/>
-          </ac:graphicFrameMkLst>
-        </pc:graphicFrameChg>
-        <pc:graphicFrameChg chg="add mod">
-          <ac:chgData name="Le Duy Hieu 20207671" userId="8eaff0d4-3950-4622-b5ac-1aae5da83347" providerId="ADAL" clId="{517E1C9B-0D3F-428D-8356-7878F3AC7728}" dt="2022-06-23T13:22:09.249" v="856" actId="20577"/>
-          <ac:graphicFrameMkLst>
-            <pc:docMk/>
-            <pc:sldMk cId="1262101366" sldId="266"/>
-            <ac:graphicFrameMk id="8" creationId="{4EEF6584-E493-29C1-4DD8-E5EFE7F81BAF}"/>
-          </ac:graphicFrameMkLst>
-        </pc:graphicFrameChg>
-        <pc:picChg chg="add del">
-          <ac:chgData name="Le Duy Hieu 20207671" userId="8eaff0d4-3950-4622-b5ac-1aae5da83347" providerId="ADAL" clId="{517E1C9B-0D3F-428D-8356-7878F3AC7728}" dt="2022-06-23T13:21:46.862" v="851" actId="26606"/>
-          <ac:picMkLst>
-            <pc:docMk/>
-            <pc:sldMk cId="1262101366" sldId="266"/>
-            <ac:picMk id="7" creationId="{0EB5A06A-E1BD-D23F-13E5-5E0A5A360262}"/>
-          </ac:picMkLst>
-        </pc:picChg>
-      </pc:sldChg>
-      <pc:sldChg chg="addSp delSp modSp new mod setBg">
-        <pc:chgData name="Le Duy Hieu 20207671" userId="8eaff0d4-3950-4622-b5ac-1aae5da83347" providerId="ADAL" clId="{517E1C9B-0D3F-428D-8356-7878F3AC7728}" dt="2022-06-23T13:24:20.741" v="893" actId="26606"/>
-        <pc:sldMkLst>
-          <pc:docMk/>
-          <pc:sldMk cId="2734769447" sldId="267"/>
-        </pc:sldMkLst>
-        <pc:spChg chg="mod">
-          <ac:chgData name="Le Duy Hieu 20207671" userId="8eaff0d4-3950-4622-b5ac-1aae5da83347" providerId="ADAL" clId="{517E1C9B-0D3F-428D-8356-7878F3AC7728}" dt="2022-06-23T13:24:20.741" v="893" actId="26606"/>
-          <ac:spMkLst>
-            <pc:docMk/>
-            <pc:sldMk cId="2734769447" sldId="267"/>
-            <ac:spMk id="2" creationId="{C8236F40-697E-EF4C-8BE7-466829536A81}"/>
-          </ac:spMkLst>
-        </pc:spChg>
-        <pc:spChg chg="mod">
-          <ac:chgData name="Le Duy Hieu 20207671" userId="8eaff0d4-3950-4622-b5ac-1aae5da83347" providerId="ADAL" clId="{517E1C9B-0D3F-428D-8356-7878F3AC7728}" dt="2022-06-23T13:24:20.741" v="893" actId="26606"/>
-          <ac:spMkLst>
-            <pc:docMk/>
-            <pc:sldMk cId="2734769447" sldId="267"/>
-            <ac:spMk id="3" creationId="{77F17E27-9E0E-BE6C-64AA-4BA806470375}"/>
-          </ac:spMkLst>
-        </pc:spChg>
-        <pc:spChg chg="add">
-          <ac:chgData name="Le Duy Hieu 20207671" userId="8eaff0d4-3950-4622-b5ac-1aae5da83347" providerId="ADAL" clId="{517E1C9B-0D3F-428D-8356-7878F3AC7728}" dt="2022-06-23T13:24:20.741" v="893" actId="26606"/>
-          <ac:spMkLst>
-            <pc:docMk/>
-            <pc:sldMk cId="2734769447" sldId="267"/>
-            <ac:spMk id="6" creationId="{09A1C012-8297-4361-ACE8-A2509FB18911}"/>
-          </ac:spMkLst>
-        </pc:spChg>
-        <pc:spChg chg="add">
-          <ac:chgData name="Le Duy Hieu 20207671" userId="8eaff0d4-3950-4622-b5ac-1aae5da83347" providerId="ADAL" clId="{517E1C9B-0D3F-428D-8356-7878F3AC7728}" dt="2022-06-23T13:24:20.741" v="893" actId="26606"/>
-          <ac:spMkLst>
-            <pc:docMk/>
-            <pc:sldMk cId="2734769447" sldId="267"/>
-            <ac:spMk id="8" creationId="{4AA13AD3-0A4F-475A-BEBB-DEEFF5C096C3}"/>
-          </ac:spMkLst>
-        </pc:spChg>
-        <pc:spChg chg="add del">
-          <ac:chgData name="Le Duy Hieu 20207671" userId="8eaff0d4-3950-4622-b5ac-1aae5da83347" providerId="ADAL" clId="{517E1C9B-0D3F-428D-8356-7878F3AC7728}" dt="2022-06-23T13:24:14.758" v="892" actId="26606"/>
-          <ac:spMkLst>
-            <pc:docMk/>
-            <pc:sldMk cId="2734769447" sldId="267"/>
-            <ac:spMk id="9" creationId="{09A1C012-8297-4361-ACE8-A2509FB18911}"/>
-          </ac:spMkLst>
-        </pc:spChg>
-        <pc:spChg chg="add del">
-          <ac:chgData name="Le Duy Hieu 20207671" userId="8eaff0d4-3950-4622-b5ac-1aae5da83347" providerId="ADAL" clId="{517E1C9B-0D3F-428D-8356-7878F3AC7728}" dt="2022-06-23T13:24:06.928" v="890" actId="26606"/>
-          <ac:spMkLst>
-            <pc:docMk/>
-            <pc:sldMk cId="2734769447" sldId="267"/>
-            <ac:spMk id="10" creationId="{09A1C012-8297-4361-ACE8-A2509FB18911}"/>
-          </ac:spMkLst>
-        </pc:spChg>
-        <pc:spChg chg="add del">
-          <ac:chgData name="Le Duy Hieu 20207671" userId="8eaff0d4-3950-4622-b5ac-1aae5da83347" providerId="ADAL" clId="{517E1C9B-0D3F-428D-8356-7878F3AC7728}" dt="2022-06-23T13:24:14.758" v="892" actId="26606"/>
-          <ac:spMkLst>
-            <pc:docMk/>
-            <pc:sldMk cId="2734769447" sldId="267"/>
-            <ac:spMk id="11" creationId="{4AA13AD3-0A4F-475A-BEBB-DEEFF5C096C3}"/>
-          </ac:spMkLst>
-        </pc:spChg>
-        <pc:spChg chg="add del">
-          <ac:chgData name="Le Duy Hieu 20207671" userId="8eaff0d4-3950-4622-b5ac-1aae5da83347" providerId="ADAL" clId="{517E1C9B-0D3F-428D-8356-7878F3AC7728}" dt="2022-06-23T13:24:06.928" v="890" actId="26606"/>
-          <ac:spMkLst>
-            <pc:docMk/>
-            <pc:sldMk cId="2734769447" sldId="267"/>
-            <ac:spMk id="12" creationId="{4AA13AD3-0A4F-475A-BEBB-DEEFF5C096C3}"/>
-          </ac:spMkLst>
-        </pc:spChg>
-        <pc:spChg chg="add del">
-          <ac:chgData name="Le Duy Hieu 20207671" userId="8eaff0d4-3950-4622-b5ac-1aae5da83347" providerId="ADAL" clId="{517E1C9B-0D3F-428D-8356-7878F3AC7728}" dt="2022-06-23T13:24:14.758" v="892" actId="26606"/>
-          <ac:spMkLst>
-            <pc:docMk/>
-            <pc:sldMk cId="2734769447" sldId="267"/>
-            <ac:spMk id="13" creationId="{D65E0E3C-32F3-480B-9842-7611BBE2EE9F}"/>
-          </ac:spMkLst>
-        </pc:spChg>
-        <pc:spChg chg="add del">
-          <ac:chgData name="Le Duy Hieu 20207671" userId="8eaff0d4-3950-4622-b5ac-1aae5da83347" providerId="ADAL" clId="{517E1C9B-0D3F-428D-8356-7878F3AC7728}" dt="2022-06-23T13:24:06.928" v="890" actId="26606"/>
-          <ac:spMkLst>
-            <pc:docMk/>
-            <pc:sldMk cId="2734769447" sldId="267"/>
-            <ac:spMk id="14" creationId="{52F9B1C2-7D20-4F91-A660-197C98B9A3B1}"/>
-          </ac:spMkLst>
-        </pc:spChg>
-        <pc:spChg chg="add">
-          <ac:chgData name="Le Duy Hieu 20207671" userId="8eaff0d4-3950-4622-b5ac-1aae5da83347" providerId="ADAL" clId="{517E1C9B-0D3F-428D-8356-7878F3AC7728}" dt="2022-06-23T13:24:20.741" v="893" actId="26606"/>
-          <ac:spMkLst>
-            <pc:docMk/>
-            <pc:sldMk cId="2734769447" sldId="267"/>
-            <ac:spMk id="15" creationId="{52F9B1C2-7D20-4F91-A660-197C98B9A3B1}"/>
-          </ac:spMkLst>
-        </pc:spChg>
-        <pc:spChg chg="add del">
-          <ac:chgData name="Le Duy Hieu 20207671" userId="8eaff0d4-3950-4622-b5ac-1aae5da83347" providerId="ADAL" clId="{517E1C9B-0D3F-428D-8356-7878F3AC7728}" dt="2022-06-23T13:24:06.928" v="890" actId="26606"/>
-          <ac:spMkLst>
-            <pc:docMk/>
-            <pc:sldMk cId="2734769447" sldId="267"/>
-            <ac:spMk id="16" creationId="{A89C4E6E-ECA4-40E5-A54E-13E92B678E8C}"/>
-          </ac:spMkLst>
-        </pc:spChg>
-        <pc:spChg chg="add">
-          <ac:chgData name="Le Duy Hieu 20207671" userId="8eaff0d4-3950-4622-b5ac-1aae5da83347" providerId="ADAL" clId="{517E1C9B-0D3F-428D-8356-7878F3AC7728}" dt="2022-06-23T13:24:20.741" v="893" actId="26606"/>
-          <ac:spMkLst>
-            <pc:docMk/>
-            <pc:sldMk cId="2734769447" sldId="267"/>
-            <ac:spMk id="17" creationId="{A89C4E6E-ECA4-40E5-A54E-13E92B678E8C}"/>
-          </ac:spMkLst>
-        </pc:spChg>
-        <pc:picChg chg="add del">
-          <ac:chgData name="Le Duy Hieu 20207671" userId="8eaff0d4-3950-4622-b5ac-1aae5da83347" providerId="ADAL" clId="{517E1C9B-0D3F-428D-8356-7878F3AC7728}" dt="2022-06-23T13:24:14.758" v="892" actId="26606"/>
-          <ac:picMkLst>
-            <pc:docMk/>
-            <pc:sldMk cId="2734769447" sldId="267"/>
-            <ac:picMk id="5" creationId="{1D1FED18-B373-65F4-828F-227ECC0CB107}"/>
-          </ac:picMkLst>
-        </pc:picChg>
-        <pc:picChg chg="add del">
-          <ac:chgData name="Le Duy Hieu 20207671" userId="8eaff0d4-3950-4622-b5ac-1aae5da83347" providerId="ADAL" clId="{517E1C9B-0D3F-428D-8356-7878F3AC7728}" dt="2022-06-23T13:24:06.928" v="890" actId="26606"/>
-          <ac:picMkLst>
-            <pc:docMk/>
-            <pc:sldMk cId="2734769447" sldId="267"/>
-            <ac:picMk id="7" creationId="{78BD30F1-179E-17C9-23FA-4B70ABEE1937}"/>
-          </ac:picMkLst>
-        </pc:picChg>
-        <pc:picChg chg="add">
-          <ac:chgData name="Le Duy Hieu 20207671" userId="8eaff0d4-3950-4622-b5ac-1aae5da83347" providerId="ADAL" clId="{517E1C9B-0D3F-428D-8356-7878F3AC7728}" dt="2022-06-23T13:24:20.741" v="893" actId="26606"/>
-          <ac:picMkLst>
-            <pc:docMk/>
-            <pc:sldMk cId="2734769447" sldId="267"/>
-            <ac:picMk id="18" creationId="{78BD30F1-179E-17C9-23FA-4B70ABEE1937}"/>
-          </ac:picMkLst>
-        </pc:picChg>
-      </pc:sldChg>
-      <pc:sldChg chg="addSp delSp modSp new mod setBg modClrScheme addAnim setClrOvrMap chgLayout">
-        <pc:chgData name="Le Duy Hieu 20207671" userId="8eaff0d4-3950-4622-b5ac-1aae5da83347" providerId="ADAL" clId="{517E1C9B-0D3F-428D-8356-7878F3AC7728}" dt="2022-06-23T13:25:31.981" v="1074" actId="122"/>
-        <pc:sldMkLst>
-          <pc:docMk/>
-          <pc:sldMk cId="2533210964" sldId="268"/>
-        </pc:sldMkLst>
-        <pc:spChg chg="del mod ord">
-          <ac:chgData name="Le Duy Hieu 20207671" userId="8eaff0d4-3950-4622-b5ac-1aae5da83347" providerId="ADAL" clId="{517E1C9B-0D3F-428D-8356-7878F3AC7728}" dt="2022-06-23T13:24:32.765" v="895" actId="700"/>
-          <ac:spMkLst>
-            <pc:docMk/>
-            <pc:sldMk cId="2533210964" sldId="268"/>
-            <ac:spMk id="2" creationId="{06163E6C-637D-1708-ED90-EC3566063972}"/>
-          </ac:spMkLst>
-        </pc:spChg>
-        <pc:spChg chg="del mod ord">
-          <ac:chgData name="Le Duy Hieu 20207671" userId="8eaff0d4-3950-4622-b5ac-1aae5da83347" providerId="ADAL" clId="{517E1C9B-0D3F-428D-8356-7878F3AC7728}" dt="2022-06-23T13:24:32.765" v="895" actId="700"/>
-          <ac:spMkLst>
-            <pc:docMk/>
-            <pc:sldMk cId="2533210964" sldId="268"/>
-            <ac:spMk id="3" creationId="{94410487-3CED-9512-3A93-8CBA71C121A5}"/>
-          </ac:spMkLst>
-        </pc:spChg>
-        <pc:spChg chg="add mod ord">
-          <ac:chgData name="Le Duy Hieu 20207671" userId="8eaff0d4-3950-4622-b5ac-1aae5da83347" providerId="ADAL" clId="{517E1C9B-0D3F-428D-8356-7878F3AC7728}" dt="2022-06-23T13:25:31.981" v="1074" actId="122"/>
-          <ac:spMkLst>
-            <pc:docMk/>
-            <pc:sldMk cId="2533210964" sldId="268"/>
-            <ac:spMk id="4" creationId="{C8EFFB9C-7B22-5211-D730-459E022E2252}"/>
-          </ac:spMkLst>
-        </pc:spChg>
-        <pc:spChg chg="add mod ord">
-          <ac:chgData name="Le Duy Hieu 20207671" userId="8eaff0d4-3950-4622-b5ac-1aae5da83347" providerId="ADAL" clId="{517E1C9B-0D3F-428D-8356-7878F3AC7728}" dt="2022-06-23T13:25:30.553" v="1073" actId="122"/>
-          <ac:spMkLst>
-            <pc:docMk/>
-            <pc:sldMk cId="2533210964" sldId="268"/>
-            <ac:spMk id="5" creationId="{B0080129-8B9F-3893-C14D-4A10AF05E347}"/>
-          </ac:spMkLst>
-        </pc:spChg>
-        <pc:spChg chg="add">
-          <ac:chgData name="Le Duy Hieu 20207671" userId="8eaff0d4-3950-4622-b5ac-1aae5da83347" providerId="ADAL" clId="{517E1C9B-0D3F-428D-8356-7878F3AC7728}" dt="2022-06-23T13:25:11.345" v="1064" actId="26606"/>
-          <ac:spMkLst>
-            <pc:docMk/>
-            <pc:sldMk cId="2533210964" sldId="268"/>
-            <ac:spMk id="10" creationId="{4AA13AD3-0A4F-475A-BEBB-DEEFF5C096C3}"/>
-          </ac:spMkLst>
-        </pc:spChg>
-        <pc:spChg chg="add">
-          <ac:chgData name="Le Duy Hieu 20207671" userId="8eaff0d4-3950-4622-b5ac-1aae5da83347" providerId="ADAL" clId="{517E1C9B-0D3F-428D-8356-7878F3AC7728}" dt="2022-06-23T13:25:11.345" v="1064" actId="26606"/>
-          <ac:spMkLst>
-            <pc:docMk/>
-            <pc:sldMk cId="2533210964" sldId="268"/>
-            <ac:spMk id="12" creationId="{205BB74C-33FB-4335-8808-49E247F7BF75}"/>
-          </ac:spMkLst>
-        </pc:spChg>
-      </pc:sldChg>
-      <pc:sldMasterChg chg="add del addSldLayout delSldLayout">
-        <pc:chgData name="Le Duy Hieu 20207671" userId="8eaff0d4-3950-4622-b5ac-1aae5da83347" providerId="ADAL" clId="{517E1C9B-0D3F-428D-8356-7878F3AC7728}" dt="2022-06-23T13:01:16.043" v="113" actId="26606"/>
-        <pc:sldMasterMkLst>
-          <pc:docMk/>
-          <pc:sldMasterMk cId="1398368994" sldId="2147483718"/>
-        </pc:sldMasterMkLst>
-        <pc:sldLayoutChg chg="add del">
-          <pc:chgData name="Le Duy Hieu 20207671" userId="8eaff0d4-3950-4622-b5ac-1aae5da83347" providerId="ADAL" clId="{517E1C9B-0D3F-428D-8356-7878F3AC7728}" dt="2022-06-23T13:01:16.043" v="113" actId="26606"/>
-          <pc:sldLayoutMkLst>
-            <pc:docMk/>
-            <pc:sldMasterMk cId="1398368994" sldId="2147483718"/>
-            <pc:sldLayoutMk cId="1560397044" sldId="2147483701"/>
-          </pc:sldLayoutMkLst>
-        </pc:sldLayoutChg>
-        <pc:sldLayoutChg chg="add del">
-          <pc:chgData name="Le Duy Hieu 20207671" userId="8eaff0d4-3950-4622-b5ac-1aae5da83347" providerId="ADAL" clId="{517E1C9B-0D3F-428D-8356-7878F3AC7728}" dt="2022-06-23T13:01:16.043" v="113" actId="26606"/>
-          <pc:sldLayoutMkLst>
-            <pc:docMk/>
-            <pc:sldMasterMk cId="1398368994" sldId="2147483718"/>
-            <pc:sldLayoutMk cId="1811920495" sldId="2147483702"/>
-          </pc:sldLayoutMkLst>
-        </pc:sldLayoutChg>
-        <pc:sldLayoutChg chg="add del">
-          <pc:chgData name="Le Duy Hieu 20207671" userId="8eaff0d4-3950-4622-b5ac-1aae5da83347" providerId="ADAL" clId="{517E1C9B-0D3F-428D-8356-7878F3AC7728}" dt="2022-06-23T13:01:16.043" v="113" actId="26606"/>
-          <pc:sldLayoutMkLst>
-            <pc:docMk/>
-            <pc:sldMasterMk cId="1398368994" sldId="2147483718"/>
-            <pc:sldLayoutMk cId="4157270912" sldId="2147483703"/>
-          </pc:sldLayoutMkLst>
-        </pc:sldLayoutChg>
-        <pc:sldLayoutChg chg="add del">
-          <pc:chgData name="Le Duy Hieu 20207671" userId="8eaff0d4-3950-4622-b5ac-1aae5da83347" providerId="ADAL" clId="{517E1C9B-0D3F-428D-8356-7878F3AC7728}" dt="2022-06-23T13:01:16.043" v="113" actId="26606"/>
-          <pc:sldLayoutMkLst>
-            <pc:docMk/>
-            <pc:sldMasterMk cId="1398368994" sldId="2147483718"/>
-            <pc:sldLayoutMk cId="995129137" sldId="2147483704"/>
-          </pc:sldLayoutMkLst>
-        </pc:sldLayoutChg>
-        <pc:sldLayoutChg chg="add del">
-          <pc:chgData name="Le Duy Hieu 20207671" userId="8eaff0d4-3950-4622-b5ac-1aae5da83347" providerId="ADAL" clId="{517E1C9B-0D3F-428D-8356-7878F3AC7728}" dt="2022-06-23T13:01:16.043" v="113" actId="26606"/>
-          <pc:sldLayoutMkLst>
-            <pc:docMk/>
-            <pc:sldMasterMk cId="1398368994" sldId="2147483718"/>
-            <pc:sldLayoutMk cId="1874774551" sldId="2147483705"/>
-          </pc:sldLayoutMkLst>
-        </pc:sldLayoutChg>
-        <pc:sldLayoutChg chg="add del">
-          <pc:chgData name="Le Duy Hieu 20207671" userId="8eaff0d4-3950-4622-b5ac-1aae5da83347" providerId="ADAL" clId="{517E1C9B-0D3F-428D-8356-7878F3AC7728}" dt="2022-06-23T13:01:16.043" v="113" actId="26606"/>
-          <pc:sldLayoutMkLst>
-            <pc:docMk/>
-            <pc:sldMasterMk cId="1398368994" sldId="2147483718"/>
-            <pc:sldLayoutMk cId="3421559997" sldId="2147483706"/>
-          </pc:sldLayoutMkLst>
-        </pc:sldLayoutChg>
-        <pc:sldLayoutChg chg="add del">
-          <pc:chgData name="Le Duy Hieu 20207671" userId="8eaff0d4-3950-4622-b5ac-1aae5da83347" providerId="ADAL" clId="{517E1C9B-0D3F-428D-8356-7878F3AC7728}" dt="2022-06-23T13:01:16.043" v="113" actId="26606"/>
-          <pc:sldLayoutMkLst>
-            <pc:docMk/>
-            <pc:sldMasterMk cId="1398368994" sldId="2147483718"/>
-            <pc:sldLayoutMk cId="3222469937" sldId="2147483707"/>
-          </pc:sldLayoutMkLst>
-        </pc:sldLayoutChg>
-        <pc:sldLayoutChg chg="add del">
-          <pc:chgData name="Le Duy Hieu 20207671" userId="8eaff0d4-3950-4622-b5ac-1aae5da83347" providerId="ADAL" clId="{517E1C9B-0D3F-428D-8356-7878F3AC7728}" dt="2022-06-23T13:01:16.043" v="113" actId="26606"/>
-          <pc:sldLayoutMkLst>
-            <pc:docMk/>
-            <pc:sldMasterMk cId="1398368994" sldId="2147483718"/>
-            <pc:sldLayoutMk cId="1057151362" sldId="2147483708"/>
-          </pc:sldLayoutMkLst>
-        </pc:sldLayoutChg>
-        <pc:sldLayoutChg chg="add del">
-          <pc:chgData name="Le Duy Hieu 20207671" userId="8eaff0d4-3950-4622-b5ac-1aae5da83347" providerId="ADAL" clId="{517E1C9B-0D3F-428D-8356-7878F3AC7728}" dt="2022-06-23T13:01:16.043" v="113" actId="26606"/>
-          <pc:sldLayoutMkLst>
-            <pc:docMk/>
-            <pc:sldMasterMk cId="1398368994" sldId="2147483718"/>
-            <pc:sldLayoutMk cId="3438531040" sldId="2147483709"/>
-          </pc:sldLayoutMkLst>
-        </pc:sldLayoutChg>
-        <pc:sldLayoutChg chg="add del">
-          <pc:chgData name="Le Duy Hieu 20207671" userId="8eaff0d4-3950-4622-b5ac-1aae5da83347" providerId="ADAL" clId="{517E1C9B-0D3F-428D-8356-7878F3AC7728}" dt="2022-06-23T13:01:16.043" v="113" actId="26606"/>
-          <pc:sldLayoutMkLst>
-            <pc:docMk/>
-            <pc:sldMasterMk cId="1398368994" sldId="2147483718"/>
-            <pc:sldLayoutMk cId="1425748818" sldId="2147483710"/>
-          </pc:sldLayoutMkLst>
-        </pc:sldLayoutChg>
-        <pc:sldLayoutChg chg="add del">
-          <pc:chgData name="Le Duy Hieu 20207671" userId="8eaff0d4-3950-4622-b5ac-1aae5da83347" providerId="ADAL" clId="{517E1C9B-0D3F-428D-8356-7878F3AC7728}" dt="2022-06-23T13:01:16.043" v="113" actId="26606"/>
-          <pc:sldLayoutMkLst>
-            <pc:docMk/>
-            <pc:sldMasterMk cId="1398368994" sldId="2147483718"/>
-            <pc:sldLayoutMk cId="869583023" sldId="2147483711"/>
-          </pc:sldLayoutMkLst>
-        </pc:sldLayoutChg>
-        <pc:sldLayoutChg chg="add del">
-          <pc:chgData name="Le Duy Hieu 20207671" userId="8eaff0d4-3950-4622-b5ac-1aae5da83347" providerId="ADAL" clId="{517E1C9B-0D3F-428D-8356-7878F3AC7728}" dt="2022-06-23T13:01:16.043" v="113" actId="26606"/>
-          <pc:sldLayoutMkLst>
-            <pc:docMk/>
-            <pc:sldMasterMk cId="1398368994" sldId="2147483718"/>
-            <pc:sldLayoutMk cId="518863746" sldId="2147483712"/>
-          </pc:sldLayoutMkLst>
-        </pc:sldLayoutChg>
-        <pc:sldLayoutChg chg="add del">
-          <pc:chgData name="Le Duy Hieu 20207671" userId="8eaff0d4-3950-4622-b5ac-1aae5da83347" providerId="ADAL" clId="{517E1C9B-0D3F-428D-8356-7878F3AC7728}" dt="2022-06-23T13:01:16.043" v="113" actId="26606"/>
-          <pc:sldLayoutMkLst>
-            <pc:docMk/>
-            <pc:sldMasterMk cId="1398368994" sldId="2147483718"/>
-            <pc:sldLayoutMk cId="2593735938" sldId="2147483713"/>
-          </pc:sldLayoutMkLst>
-        </pc:sldLayoutChg>
-        <pc:sldLayoutChg chg="add del">
-          <pc:chgData name="Le Duy Hieu 20207671" userId="8eaff0d4-3950-4622-b5ac-1aae5da83347" providerId="ADAL" clId="{517E1C9B-0D3F-428D-8356-7878F3AC7728}" dt="2022-06-23T13:01:16.043" v="113" actId="26606"/>
-          <pc:sldLayoutMkLst>
-            <pc:docMk/>
-            <pc:sldMasterMk cId="1398368994" sldId="2147483718"/>
-            <pc:sldLayoutMk cId="2846745725" sldId="2147483714"/>
-          </pc:sldLayoutMkLst>
-        </pc:sldLayoutChg>
-        <pc:sldLayoutChg chg="add del">
-          <pc:chgData name="Le Duy Hieu 20207671" userId="8eaff0d4-3950-4622-b5ac-1aae5da83347" providerId="ADAL" clId="{517E1C9B-0D3F-428D-8356-7878F3AC7728}" dt="2022-06-23T13:01:16.043" v="113" actId="26606"/>
-          <pc:sldLayoutMkLst>
-            <pc:docMk/>
-            <pc:sldMasterMk cId="1398368994" sldId="2147483718"/>
-            <pc:sldLayoutMk cId="3074001075" sldId="2147483715"/>
-          </pc:sldLayoutMkLst>
-        </pc:sldLayoutChg>
-        <pc:sldLayoutChg chg="add del">
-          <pc:chgData name="Le Duy Hieu 20207671" userId="8eaff0d4-3950-4622-b5ac-1aae5da83347" providerId="ADAL" clId="{517E1C9B-0D3F-428D-8356-7878F3AC7728}" dt="2022-06-23T13:01:16.043" v="113" actId="26606"/>
-          <pc:sldLayoutMkLst>
-            <pc:docMk/>
-            <pc:sldMasterMk cId="1398368994" sldId="2147483718"/>
-            <pc:sldLayoutMk cId="3117174869" sldId="2147483716"/>
-          </pc:sldLayoutMkLst>
-        </pc:sldLayoutChg>
-        <pc:sldLayoutChg chg="add del">
-          <pc:chgData name="Le Duy Hieu 20207671" userId="8eaff0d4-3950-4622-b5ac-1aae5da83347" providerId="ADAL" clId="{517E1C9B-0D3F-428D-8356-7878F3AC7728}" dt="2022-06-23T13:01:16.043" v="113" actId="26606"/>
-          <pc:sldLayoutMkLst>
-            <pc:docMk/>
-            <pc:sldMasterMk cId="1398368994" sldId="2147483718"/>
-            <pc:sldLayoutMk cId="3734108367" sldId="2147483717"/>
-          </pc:sldLayoutMkLst>
-        </pc:sldLayoutChg>
-      </pc:sldMasterChg>
-      <pc:sldMasterChg chg="add addSldLayout">
-        <pc:chgData name="Le Duy Hieu 20207671" userId="8eaff0d4-3950-4622-b5ac-1aae5da83347" providerId="ADAL" clId="{517E1C9B-0D3F-428D-8356-7878F3AC7728}" dt="2022-06-23T13:01:16.043" v="113" actId="26606"/>
-        <pc:sldMasterMkLst>
-          <pc:docMk/>
-          <pc:sldMasterMk cId="2295393893" sldId="2147483755"/>
-        </pc:sldMasterMkLst>
-        <pc:sldLayoutChg chg="add">
-          <pc:chgData name="Le Duy Hieu 20207671" userId="8eaff0d4-3950-4622-b5ac-1aae5da83347" providerId="ADAL" clId="{517E1C9B-0D3F-428D-8356-7878F3AC7728}" dt="2022-06-23T13:01:16.043" v="113" actId="26606"/>
-          <pc:sldLayoutMkLst>
-            <pc:docMk/>
-            <pc:sldMasterMk cId="2295393893" sldId="2147483755"/>
-            <pc:sldLayoutMk cId="3461548619" sldId="2147483744"/>
-          </pc:sldLayoutMkLst>
-        </pc:sldLayoutChg>
-        <pc:sldLayoutChg chg="add">
-          <pc:chgData name="Le Duy Hieu 20207671" userId="8eaff0d4-3950-4622-b5ac-1aae5da83347" providerId="ADAL" clId="{517E1C9B-0D3F-428D-8356-7878F3AC7728}" dt="2022-06-23T13:01:16.043" v="113" actId="26606"/>
-          <pc:sldLayoutMkLst>
-            <pc:docMk/>
-            <pc:sldMasterMk cId="2295393893" sldId="2147483755"/>
-            <pc:sldLayoutMk cId="3810411210" sldId="2147483745"/>
-          </pc:sldLayoutMkLst>
-        </pc:sldLayoutChg>
-        <pc:sldLayoutChg chg="add">
-          <pc:chgData name="Le Duy Hieu 20207671" userId="8eaff0d4-3950-4622-b5ac-1aae5da83347" providerId="ADAL" clId="{517E1C9B-0D3F-428D-8356-7878F3AC7728}" dt="2022-06-23T13:01:16.043" v="113" actId="26606"/>
-          <pc:sldLayoutMkLst>
-            <pc:docMk/>
-            <pc:sldMasterMk cId="2295393893" sldId="2147483755"/>
-            <pc:sldLayoutMk cId="2718705254" sldId="2147483746"/>
-          </pc:sldLayoutMkLst>
-        </pc:sldLayoutChg>
-        <pc:sldLayoutChg chg="add">
-          <pc:chgData name="Le Duy Hieu 20207671" userId="8eaff0d4-3950-4622-b5ac-1aae5da83347" providerId="ADAL" clId="{517E1C9B-0D3F-428D-8356-7878F3AC7728}" dt="2022-06-23T13:01:16.043" v="113" actId="26606"/>
-          <pc:sldLayoutMkLst>
-            <pc:docMk/>
-            <pc:sldMasterMk cId="2295393893" sldId="2147483755"/>
-            <pc:sldLayoutMk cId="2674345590" sldId="2147483747"/>
-          </pc:sldLayoutMkLst>
-        </pc:sldLayoutChg>
-        <pc:sldLayoutChg chg="add">
-          <pc:chgData name="Le Duy Hieu 20207671" userId="8eaff0d4-3950-4622-b5ac-1aae5da83347" providerId="ADAL" clId="{517E1C9B-0D3F-428D-8356-7878F3AC7728}" dt="2022-06-23T13:01:16.043" v="113" actId="26606"/>
-          <pc:sldLayoutMkLst>
-            <pc:docMk/>
-            <pc:sldMasterMk cId="2295393893" sldId="2147483755"/>
-            <pc:sldLayoutMk cId="8066434" sldId="2147483748"/>
-          </pc:sldLayoutMkLst>
-        </pc:sldLayoutChg>
-        <pc:sldLayoutChg chg="add">
-          <pc:chgData name="Le Duy Hieu 20207671" userId="8eaff0d4-3950-4622-b5ac-1aae5da83347" providerId="ADAL" clId="{517E1C9B-0D3F-428D-8356-7878F3AC7728}" dt="2022-06-23T13:01:16.043" v="113" actId="26606"/>
-          <pc:sldLayoutMkLst>
-            <pc:docMk/>
-            <pc:sldMasterMk cId="2295393893" sldId="2147483755"/>
-            <pc:sldLayoutMk cId="2027686247" sldId="2147483749"/>
-          </pc:sldLayoutMkLst>
-        </pc:sldLayoutChg>
-        <pc:sldLayoutChg chg="add">
-          <pc:chgData name="Le Duy Hieu 20207671" userId="8eaff0d4-3950-4622-b5ac-1aae5da83347" providerId="ADAL" clId="{517E1C9B-0D3F-428D-8356-7878F3AC7728}" dt="2022-06-23T13:01:16.043" v="113" actId="26606"/>
-          <pc:sldLayoutMkLst>
-            <pc:docMk/>
-            <pc:sldMasterMk cId="2295393893" sldId="2147483755"/>
-            <pc:sldLayoutMk cId="1418443832" sldId="2147483750"/>
-          </pc:sldLayoutMkLst>
-        </pc:sldLayoutChg>
-        <pc:sldLayoutChg chg="add">
-          <pc:chgData name="Le Duy Hieu 20207671" userId="8eaff0d4-3950-4622-b5ac-1aae5da83347" providerId="ADAL" clId="{517E1C9B-0D3F-428D-8356-7878F3AC7728}" dt="2022-06-23T13:01:16.043" v="113" actId="26606"/>
-          <pc:sldLayoutMkLst>
-            <pc:docMk/>
-            <pc:sldMasterMk cId="2295393893" sldId="2147483755"/>
-            <pc:sldLayoutMk cId="1033096694" sldId="2147483751"/>
-          </pc:sldLayoutMkLst>
-        </pc:sldLayoutChg>
-        <pc:sldLayoutChg chg="add">
-          <pc:chgData name="Le Duy Hieu 20207671" userId="8eaff0d4-3950-4622-b5ac-1aae5da83347" providerId="ADAL" clId="{517E1C9B-0D3F-428D-8356-7878F3AC7728}" dt="2022-06-23T13:01:16.043" v="113" actId="26606"/>
-          <pc:sldLayoutMkLst>
-            <pc:docMk/>
-            <pc:sldMasterMk cId="2295393893" sldId="2147483755"/>
-            <pc:sldLayoutMk cId="3763741767" sldId="2147483752"/>
-          </pc:sldLayoutMkLst>
-        </pc:sldLayoutChg>
-        <pc:sldLayoutChg chg="add">
-          <pc:chgData name="Le Duy Hieu 20207671" userId="8eaff0d4-3950-4622-b5ac-1aae5da83347" providerId="ADAL" clId="{517E1C9B-0D3F-428D-8356-7878F3AC7728}" dt="2022-06-23T13:01:16.043" v="113" actId="26606"/>
-          <pc:sldLayoutMkLst>
-            <pc:docMk/>
-            <pc:sldMasterMk cId="2295393893" sldId="2147483755"/>
-            <pc:sldLayoutMk cId="686053239" sldId="2147483753"/>
-          </pc:sldLayoutMkLst>
-        </pc:sldLayoutChg>
-        <pc:sldLayoutChg chg="add">
-          <pc:chgData name="Le Duy Hieu 20207671" userId="8eaff0d4-3950-4622-b5ac-1aae5da83347" providerId="ADAL" clId="{517E1C9B-0D3F-428D-8356-7878F3AC7728}" dt="2022-06-23T13:01:16.043" v="113" actId="26606"/>
-          <pc:sldLayoutMkLst>
-            <pc:docMk/>
-            <pc:sldMasterMk cId="2295393893" sldId="2147483755"/>
-            <pc:sldLayoutMk cId="1818766057" sldId="2147483754"/>
-          </pc:sldLayoutMkLst>
-        </pc:sldLayoutChg>
-      </pc:sldMasterChg>
-      <pc:sldMasterChg chg="add del addSldLayout delSldLayout">
-        <pc:chgData name="Le Duy Hieu 20207671" userId="8eaff0d4-3950-4622-b5ac-1aae5da83347" providerId="ADAL" clId="{517E1C9B-0D3F-428D-8356-7878F3AC7728}" dt="2022-06-23T13:01:05.517" v="112" actId="26606"/>
-        <pc:sldMasterMkLst>
-          <pc:docMk/>
-          <pc:sldMasterMk cId="2551485147" sldId="2147483755"/>
-        </pc:sldMasterMkLst>
-        <pc:sldLayoutChg chg="add del">
-          <pc:chgData name="Le Duy Hieu 20207671" userId="8eaff0d4-3950-4622-b5ac-1aae5da83347" providerId="ADAL" clId="{517E1C9B-0D3F-428D-8356-7878F3AC7728}" dt="2022-06-23T13:01:05.517" v="112" actId="26606"/>
-          <pc:sldLayoutMkLst>
-            <pc:docMk/>
-            <pc:sldMasterMk cId="2551485147" sldId="2147483755"/>
-            <pc:sldLayoutMk cId="1520115348" sldId="2147483744"/>
-          </pc:sldLayoutMkLst>
-        </pc:sldLayoutChg>
-        <pc:sldLayoutChg chg="add del">
-          <pc:chgData name="Le Duy Hieu 20207671" userId="8eaff0d4-3950-4622-b5ac-1aae5da83347" providerId="ADAL" clId="{517E1C9B-0D3F-428D-8356-7878F3AC7728}" dt="2022-06-23T13:01:05.517" v="112" actId="26606"/>
-          <pc:sldLayoutMkLst>
-            <pc:docMk/>
-            <pc:sldMasterMk cId="2551485147" sldId="2147483755"/>
-            <pc:sldLayoutMk cId="1798970338" sldId="2147483745"/>
-          </pc:sldLayoutMkLst>
-        </pc:sldLayoutChg>
-        <pc:sldLayoutChg chg="add del">
-          <pc:chgData name="Le Duy Hieu 20207671" userId="8eaff0d4-3950-4622-b5ac-1aae5da83347" providerId="ADAL" clId="{517E1C9B-0D3F-428D-8356-7878F3AC7728}" dt="2022-06-23T13:01:05.517" v="112" actId="26606"/>
-          <pc:sldLayoutMkLst>
-            <pc:docMk/>
-            <pc:sldMasterMk cId="2551485147" sldId="2147483755"/>
-            <pc:sldLayoutMk cId="2212115003" sldId="2147483746"/>
-          </pc:sldLayoutMkLst>
-        </pc:sldLayoutChg>
-        <pc:sldLayoutChg chg="add del">
-          <pc:chgData name="Le Duy Hieu 20207671" userId="8eaff0d4-3950-4622-b5ac-1aae5da83347" providerId="ADAL" clId="{517E1C9B-0D3F-428D-8356-7878F3AC7728}" dt="2022-06-23T13:01:05.517" v="112" actId="26606"/>
-          <pc:sldLayoutMkLst>
-            <pc:docMk/>
-            <pc:sldMasterMk cId="2551485147" sldId="2147483755"/>
-            <pc:sldLayoutMk cId="873103404" sldId="2147483747"/>
-          </pc:sldLayoutMkLst>
-        </pc:sldLayoutChg>
-        <pc:sldLayoutChg chg="add del">
-          <pc:chgData name="Le Duy Hieu 20207671" userId="8eaff0d4-3950-4622-b5ac-1aae5da83347" providerId="ADAL" clId="{517E1C9B-0D3F-428D-8356-7878F3AC7728}" dt="2022-06-23T13:01:05.517" v="112" actId="26606"/>
-          <pc:sldLayoutMkLst>
-            <pc:docMk/>
-            <pc:sldMasterMk cId="2551485147" sldId="2147483755"/>
-            <pc:sldLayoutMk cId="222361597" sldId="2147483748"/>
-          </pc:sldLayoutMkLst>
-        </pc:sldLayoutChg>
-        <pc:sldLayoutChg chg="add del">
-          <pc:chgData name="Le Duy Hieu 20207671" userId="8eaff0d4-3950-4622-b5ac-1aae5da83347" providerId="ADAL" clId="{517E1C9B-0D3F-428D-8356-7878F3AC7728}" dt="2022-06-23T13:01:05.517" v="112" actId="26606"/>
-          <pc:sldLayoutMkLst>
-            <pc:docMk/>
-            <pc:sldMasterMk cId="2551485147" sldId="2147483755"/>
-            <pc:sldLayoutMk cId="1045807338" sldId="2147483749"/>
-          </pc:sldLayoutMkLst>
-        </pc:sldLayoutChg>
-        <pc:sldLayoutChg chg="add del">
-          <pc:chgData name="Le Duy Hieu 20207671" userId="8eaff0d4-3950-4622-b5ac-1aae5da83347" providerId="ADAL" clId="{517E1C9B-0D3F-428D-8356-7878F3AC7728}" dt="2022-06-23T13:01:05.517" v="112" actId="26606"/>
-          <pc:sldLayoutMkLst>
-            <pc:docMk/>
-            <pc:sldMasterMk cId="2551485147" sldId="2147483755"/>
-            <pc:sldLayoutMk cId="700134229" sldId="2147483750"/>
-          </pc:sldLayoutMkLst>
-        </pc:sldLayoutChg>
-        <pc:sldLayoutChg chg="add del">
-          <pc:chgData name="Le Duy Hieu 20207671" userId="8eaff0d4-3950-4622-b5ac-1aae5da83347" providerId="ADAL" clId="{517E1C9B-0D3F-428D-8356-7878F3AC7728}" dt="2022-06-23T13:01:05.517" v="112" actId="26606"/>
-          <pc:sldLayoutMkLst>
-            <pc:docMk/>
-            <pc:sldMasterMk cId="2551485147" sldId="2147483755"/>
-            <pc:sldLayoutMk cId="1485805990" sldId="2147483751"/>
-          </pc:sldLayoutMkLst>
-        </pc:sldLayoutChg>
-        <pc:sldLayoutChg chg="add del">
-          <pc:chgData name="Le Duy Hieu 20207671" userId="8eaff0d4-3950-4622-b5ac-1aae5da83347" providerId="ADAL" clId="{517E1C9B-0D3F-428D-8356-7878F3AC7728}" dt="2022-06-23T13:01:05.517" v="112" actId="26606"/>
-          <pc:sldLayoutMkLst>
-            <pc:docMk/>
-            <pc:sldMasterMk cId="2551485147" sldId="2147483755"/>
-            <pc:sldLayoutMk cId="4126365058" sldId="2147483752"/>
-          </pc:sldLayoutMkLst>
-        </pc:sldLayoutChg>
-        <pc:sldLayoutChg chg="add del">
-          <pc:chgData name="Le Duy Hieu 20207671" userId="8eaff0d4-3950-4622-b5ac-1aae5da83347" providerId="ADAL" clId="{517E1C9B-0D3F-428D-8356-7878F3AC7728}" dt="2022-06-23T13:01:05.517" v="112" actId="26606"/>
-          <pc:sldLayoutMkLst>
-            <pc:docMk/>
-            <pc:sldMasterMk cId="2551485147" sldId="2147483755"/>
-            <pc:sldLayoutMk cId="3872661827" sldId="2147483753"/>
-          </pc:sldLayoutMkLst>
-        </pc:sldLayoutChg>
-        <pc:sldLayoutChg chg="add del">
-          <pc:chgData name="Le Duy Hieu 20207671" userId="8eaff0d4-3950-4622-b5ac-1aae5da83347" providerId="ADAL" clId="{517E1C9B-0D3F-428D-8356-7878F3AC7728}" dt="2022-06-23T13:01:05.517" v="112" actId="26606"/>
-          <pc:sldLayoutMkLst>
-            <pc:docMk/>
-            <pc:sldMasterMk cId="2551485147" sldId="2147483755"/>
-            <pc:sldLayoutMk cId="1340233029" sldId="2147483754"/>
-          </pc:sldLayoutMkLst>
-        </pc:sldLayoutChg>
-      </pc:sldMasterChg>
-    </pc:docChg>
-  </pc:docChgLst>
-</pc:chgInfo>
 </file>
 
 <file path=ppt/diagrams/colors1.xml><?xml version="1.0" encoding="utf-8"?>
@@ -9993,7 +8971,7 @@
             <a:fld id="{A37D6D71-8B28-4ED6-B932-04B197003D23}" type="datetimeFigureOut">
               <a:rPr lang="en-US" smtClean="0"/>
               <a:pPr algn="r"/>
-              <a:t>6/28/2022</a:t>
+              <a:t>6/30/2022</a:t>
             </a:fld>
             <a:endParaRPr lang="en-US"/>
           </a:p>
@@ -10215,7 +9193,7 @@
             <a:fld id="{A37D6D71-8B28-4ED6-B932-04B197003D23}" type="datetimeFigureOut">
               <a:rPr lang="en-US" smtClean="0"/>
               <a:pPr algn="r"/>
-              <a:t>6/28/2022</a:t>
+              <a:t>6/30/2022</a:t>
             </a:fld>
             <a:endParaRPr lang="en-US"/>
           </a:p>
@@ -10498,7 +9476,7 @@
             <a:fld id="{A37D6D71-8B28-4ED6-B932-04B197003D23}" type="datetimeFigureOut">
               <a:rPr lang="en-US" smtClean="0"/>
               <a:pPr algn="r"/>
-              <a:t>6/28/2022</a:t>
+              <a:t>6/30/2022</a:t>
             </a:fld>
             <a:endParaRPr lang="en-US"/>
           </a:p>
@@ -10712,7 +9690,7 @@
             <a:fld id="{A37D6D71-8B28-4ED6-B932-04B197003D23}" type="datetimeFigureOut">
               <a:rPr lang="en-US" smtClean="0"/>
               <a:pPr algn="r"/>
-              <a:t>6/28/2022</a:t>
+              <a:t>6/30/2022</a:t>
             </a:fld>
             <a:endParaRPr lang="en-US"/>
           </a:p>
@@ -11050,7 +10028,7 @@
             <a:fld id="{A37D6D71-8B28-4ED6-B932-04B197003D23}" type="datetimeFigureOut">
               <a:rPr lang="en-US" smtClean="0"/>
               <a:pPr algn="r"/>
-              <a:t>6/28/2022</a:t>
+              <a:t>6/30/2022</a:t>
             </a:fld>
             <a:endParaRPr lang="en-US"/>
           </a:p>
@@ -11325,7 +10303,7 @@
             <a:fld id="{A37D6D71-8B28-4ED6-B932-04B197003D23}" type="datetimeFigureOut">
               <a:rPr lang="en-US" smtClean="0"/>
               <a:pPr algn="r"/>
-              <a:t>6/28/2022</a:t>
+              <a:t>6/30/2022</a:t>
             </a:fld>
             <a:endParaRPr lang="en-US"/>
           </a:p>
@@ -11714,7 +10692,7 @@
             <a:fld id="{A37D6D71-8B28-4ED6-B932-04B197003D23}" type="datetimeFigureOut">
               <a:rPr lang="en-US" smtClean="0"/>
               <a:pPr algn="r"/>
-              <a:t>6/28/2022</a:t>
+              <a:t>6/30/2022</a:t>
             </a:fld>
             <a:endParaRPr lang="en-US"/>
           </a:p>
@@ -11891,7 +10869,7 @@
             <a:fld id="{A37D6D71-8B28-4ED6-B932-04B197003D23}" type="datetimeFigureOut">
               <a:rPr lang="en-US" smtClean="0"/>
               <a:pPr algn="r"/>
-              <a:t>6/28/2022</a:t>
+              <a:t>6/30/2022</a:t>
             </a:fld>
             <a:endParaRPr lang="en-US"/>
           </a:p>
@@ -12012,7 +10990,7 @@
             <a:fld id="{A37D6D71-8B28-4ED6-B932-04B197003D23}" type="datetimeFigureOut">
               <a:rPr lang="en-US" smtClean="0"/>
               <a:pPr algn="r"/>
-              <a:t>6/28/2022</a:t>
+              <a:t>6/30/2022</a:t>
             </a:fld>
             <a:endParaRPr lang="en-US"/>
           </a:p>
@@ -12297,7 +11275,7 @@
             <a:fld id="{A37D6D71-8B28-4ED6-B932-04B197003D23}" type="datetimeFigureOut">
               <a:rPr lang="en-US" smtClean="0"/>
               <a:pPr algn="r"/>
-              <a:t>6/28/2022</a:t>
+              <a:t>6/30/2022</a:t>
             </a:fld>
             <a:endParaRPr lang="en-US"/>
           </a:p>
@@ -12597,7 +11575,7 @@
             <a:fld id="{A37D6D71-8B28-4ED6-B932-04B197003D23}" type="datetimeFigureOut">
               <a:rPr lang="en-US" smtClean="0"/>
               <a:pPr algn="r"/>
-              <a:t>6/28/2022</a:t>
+              <a:t>6/30/2022</a:t>
             </a:fld>
             <a:endParaRPr lang="en-US"/>
           </a:p>
@@ -12945,7 +11923,7 @@
             <a:fld id="{A37D6D71-8B28-4ED6-B932-04B197003D23}" type="datetimeFigureOut">
               <a:rPr lang="en-US" smtClean="0"/>
               <a:pPr algn="r"/>
-              <a:t>6/28/2022</a:t>
+              <a:t>6/30/2022</a:t>
             </a:fld>
             <a:endParaRPr lang="en-US" spc="50"/>
           </a:p>
@@ -13815,6 +12793,1127 @@
           <a:chExt cx="0" cy="0"/>
         </a:xfrm>
       </p:grpSpPr>
+      <p:sp>
+        <p:nvSpPr>
+          <p:cNvPr id="10" name="Rectangle 9">
+            <a:extLst>
+              <a:ext uri="{FF2B5EF4-FFF2-40B4-BE49-F238E27FC236}">
+                <a16:creationId xmlns:a16="http://schemas.microsoft.com/office/drawing/2014/main" id="{09A1C012-8297-4361-ACE8-A2509FB18911}"/>
+              </a:ext>
+              <a:ext uri="{C183D7F6-B498-43B3-948B-1728B52AA6E4}">
+                <adec:decorative xmlns:adec="http://schemas.microsoft.com/office/drawing/2017/decorative" val="1"/>
+              </a:ext>
+            </a:extLst>
+          </p:cNvPr>
+          <p:cNvSpPr>
+            <a:spLocks noGrp="1" noRot="1" noChangeAspect="1" noMove="1" noResize="1" noEditPoints="1" noAdjustHandles="1" noChangeArrowheads="1" noChangeShapeType="1" noTextEdit="1"/>
+          </p:cNvSpPr>
+          <p:nvPr>
+            <p:extLst>
+              <p:ext uri="{386F3935-93C4-4BCD-93E2-E3B085C9AB24}">
+                <p16:designElem xmlns:p16="http://schemas.microsoft.com/office/powerpoint/2015/main" val="1"/>
+              </p:ext>
+            </p:extLst>
+          </p:nvPr>
+        </p:nvSpPr>
+        <p:spPr>
+          <a:xfrm>
+            <a:off x="0" y="4206240"/>
+            <a:ext cx="12192000" cy="2651760"/>
+          </a:xfrm>
+          <a:prstGeom prst="rect">
+            <a:avLst/>
+          </a:prstGeom>
+          <a:solidFill>
+            <a:schemeClr val="tx1"/>
+          </a:solidFill>
+          <a:ln>
+            <a:noFill/>
+          </a:ln>
+        </p:spPr>
+        <p:style>
+          <a:lnRef idx="2">
+            <a:schemeClr val="accent1">
+              <a:shade val="50000"/>
+            </a:schemeClr>
+          </a:lnRef>
+          <a:fillRef idx="1">
+            <a:schemeClr val="accent1"/>
+          </a:fillRef>
+          <a:effectRef idx="0">
+            <a:schemeClr val="accent1"/>
+          </a:effectRef>
+          <a:fontRef idx="minor">
+            <a:schemeClr val="lt1"/>
+          </a:fontRef>
+        </p:style>
+        <p:txBody>
+          <a:bodyPr rtlCol="0" anchor="ctr"/>
+          <a:lstStyle/>
+          <a:p>
+            <a:pPr algn="ctr"/>
+            <a:endParaRPr lang="en-US"/>
+          </a:p>
+        </p:txBody>
+      </p:sp>
+      <p:sp useBgFill="1">
+        <p:nvSpPr>
+          <p:cNvPr id="12" name="Rectangle 11">
+            <a:extLst>
+              <a:ext uri="{FF2B5EF4-FFF2-40B4-BE49-F238E27FC236}">
+                <a16:creationId xmlns:a16="http://schemas.microsoft.com/office/drawing/2014/main" id="{4AA13AD3-0A4F-475A-BEBB-DEEFF5C096C3}"/>
+              </a:ext>
+              <a:ext uri="{C183D7F6-B498-43B3-948B-1728B52AA6E4}">
+                <adec:decorative xmlns:adec="http://schemas.microsoft.com/office/drawing/2017/decorative" val="1"/>
+              </a:ext>
+            </a:extLst>
+          </p:cNvPr>
+          <p:cNvSpPr>
+            <a:spLocks noGrp="1" noRot="1" noChangeAspect="1" noMove="1" noResize="1" noEditPoints="1" noAdjustHandles="1" noChangeArrowheads="1" noChangeShapeType="1" noTextEdit="1"/>
+          </p:cNvSpPr>
+          <p:nvPr>
+            <p:extLst>
+              <p:ext uri="{386F3935-93C4-4BCD-93E2-E3B085C9AB24}">
+                <p16:designElem xmlns:p16="http://schemas.microsoft.com/office/powerpoint/2015/main" val="1"/>
+              </p:ext>
+            </p:extLst>
+          </p:nvPr>
+        </p:nvSpPr>
+        <p:spPr>
+          <a:xfrm>
+            <a:off x="-7462" y="0"/>
+            <a:ext cx="12188952" cy="6858000"/>
+          </a:xfrm>
+          <a:prstGeom prst="rect">
+            <a:avLst/>
+          </a:prstGeom>
+          <a:ln>
+            <a:noFill/>
+          </a:ln>
+        </p:spPr>
+        <p:style>
+          <a:lnRef idx="2">
+            <a:schemeClr val="accent1">
+              <a:shade val="50000"/>
+            </a:schemeClr>
+          </a:lnRef>
+          <a:fillRef idx="1">
+            <a:schemeClr val="accent1"/>
+          </a:fillRef>
+          <a:effectRef idx="0">
+            <a:schemeClr val="accent1"/>
+          </a:effectRef>
+          <a:fontRef idx="minor">
+            <a:schemeClr val="lt1"/>
+          </a:fontRef>
+        </p:style>
+        <p:txBody>
+          <a:bodyPr rtlCol="0" anchor="ctr"/>
+          <a:lstStyle/>
+          <a:p>
+            <a:pPr algn="ctr"/>
+            <a:endParaRPr lang="en-US"/>
+          </a:p>
+        </p:txBody>
+      </p:sp>
+      <p:sp>
+        <p:nvSpPr>
+          <p:cNvPr id="14" name="Rectangle 13">
+            <a:extLst>
+              <a:ext uri="{FF2B5EF4-FFF2-40B4-BE49-F238E27FC236}">
+                <a16:creationId xmlns:a16="http://schemas.microsoft.com/office/drawing/2014/main" id="{D65E0E3C-32F3-480B-9842-7611BBE2EE9F}"/>
+              </a:ext>
+              <a:ext uri="{C183D7F6-B498-43B3-948B-1728B52AA6E4}">
+                <adec:decorative xmlns:adec="http://schemas.microsoft.com/office/drawing/2017/decorative" val="1"/>
+              </a:ext>
+            </a:extLst>
+          </p:cNvPr>
+          <p:cNvSpPr>
+            <a:spLocks noGrp="1" noRot="1" noChangeAspect="1" noMove="1" noResize="1" noEditPoints="1" noAdjustHandles="1" noChangeArrowheads="1" noChangeShapeType="1" noTextEdit="1"/>
+          </p:cNvSpPr>
+          <p:nvPr>
+            <p:extLst>
+              <p:ext uri="{386F3935-93C4-4BCD-93E2-E3B085C9AB24}">
+                <p16:designElem xmlns:p16="http://schemas.microsoft.com/office/powerpoint/2015/main" val="1"/>
+              </p:ext>
+            </p:extLst>
+          </p:nvPr>
+        </p:nvSpPr>
+        <p:spPr>
+          <a:xfrm>
+            <a:off x="4657345" y="0"/>
+            <a:ext cx="7534655" cy="6858000"/>
+          </a:xfrm>
+          <a:prstGeom prst="rect">
+            <a:avLst/>
+          </a:prstGeom>
+          <a:solidFill>
+            <a:schemeClr val="tx1"/>
+          </a:solidFill>
+          <a:ln>
+            <a:noFill/>
+          </a:ln>
+        </p:spPr>
+        <p:style>
+          <a:lnRef idx="2">
+            <a:schemeClr val="accent1">
+              <a:shade val="50000"/>
+            </a:schemeClr>
+          </a:lnRef>
+          <a:fillRef idx="1">
+            <a:schemeClr val="accent1"/>
+          </a:fillRef>
+          <a:effectRef idx="0">
+            <a:schemeClr val="accent1"/>
+          </a:effectRef>
+          <a:fontRef idx="minor">
+            <a:schemeClr val="lt1"/>
+          </a:fontRef>
+        </p:style>
+        <p:txBody>
+          <a:bodyPr rtlCol="0" anchor="ctr"/>
+          <a:lstStyle/>
+          <a:p>
+            <a:pPr algn="ctr"/>
+            <a:endParaRPr lang="en-US"/>
+          </a:p>
+        </p:txBody>
+      </p:sp>
+      <p:sp>
+        <p:nvSpPr>
+          <p:cNvPr id="2" name="Title 1">
+            <a:extLst>
+              <a:ext uri="{FF2B5EF4-FFF2-40B4-BE49-F238E27FC236}">
+                <a16:creationId xmlns:a16="http://schemas.microsoft.com/office/drawing/2014/main" id="{446FEC85-15BF-A137-4BC5-CF65AE837107}"/>
+              </a:ext>
+            </a:extLst>
+          </p:cNvPr>
+          <p:cNvSpPr>
+            <a:spLocks noGrp="1"/>
+          </p:cNvSpPr>
+          <p:nvPr>
+            <p:ph type="title"/>
+          </p:nvPr>
+        </p:nvSpPr>
+        <p:spPr>
+          <a:xfrm>
+            <a:off x="5315736" y="640081"/>
+            <a:ext cx="5916145" cy="3812102"/>
+          </a:xfrm>
+        </p:spPr>
+        <p:txBody>
+          <a:bodyPr vert="horz" lIns="91440" tIns="45720" rIns="91440" bIns="45720" rtlCol="0" anchor="b">
+            <a:normAutofit/>
+          </a:bodyPr>
+          <a:lstStyle/>
+          <a:p>
+            <a:pPr algn="ctr"/>
+            <a:r>
+              <a:rPr lang="en-US" i="0">
+                <a:solidFill>
+                  <a:srgbClr val="FFFFFF"/>
+                </a:solidFill>
+                <a:effectLst/>
+                <a:latin typeface="Calibri" panose="020F0502020204030204" pitchFamily="34" charset="0"/>
+                <a:cs typeface="Calibri" panose="020F0502020204030204" pitchFamily="34" charset="0"/>
+              </a:rPr>
+              <a:t>Antonyms Searcher</a:t>
+            </a:r>
+          </a:p>
+        </p:txBody>
+      </p:sp>
+      <p:pic>
+        <p:nvPicPr>
+          <p:cNvPr id="5" name="Picture 4">
+            <a:extLst>
+              <a:ext uri="{FF2B5EF4-FFF2-40B4-BE49-F238E27FC236}">
+                <a16:creationId xmlns:a16="http://schemas.microsoft.com/office/drawing/2014/main" id="{44B0AB14-F2DA-2699-73EA-C9327D6A2B0C}"/>
+              </a:ext>
+            </a:extLst>
+          </p:cNvPr>
+          <p:cNvPicPr>
+            <a:picLocks noChangeAspect="1"/>
+          </p:cNvPicPr>
+          <p:nvPr/>
+        </p:nvPicPr>
+        <p:blipFill>
+          <a:blip r:embed="rId2"/>
+          <a:stretch>
+            <a:fillRect/>
+          </a:stretch>
+        </p:blipFill>
+        <p:spPr>
+          <a:xfrm>
+            <a:off x="168261" y="690358"/>
+            <a:ext cx="4313362" cy="5477284"/>
+          </a:xfrm>
+          <a:prstGeom prst="rect">
+            <a:avLst/>
+          </a:prstGeom>
+        </p:spPr>
+      </p:pic>
+    </p:spTree>
+    <p:extLst>
+      <p:ext uri="{BB962C8B-B14F-4D97-AF65-F5344CB8AC3E}">
+        <p14:creationId xmlns:p14="http://schemas.microsoft.com/office/powerpoint/2010/main" val="779299428"/>
+      </p:ext>
+    </p:extLst>
+  </p:cSld>
+  <p:clrMapOvr>
+    <a:masterClrMapping/>
+  </p:clrMapOvr>
+</p:sld>
+</file>
+
+<file path=ppt/slides/slide11.xml><?xml version="1.0" encoding="utf-8"?>
+<p:sld xmlns:a="http://schemas.openxmlformats.org/drawingml/2006/main" xmlns:r="http://schemas.openxmlformats.org/officeDocument/2006/relationships" xmlns:p="http://schemas.openxmlformats.org/presentationml/2006/main">
+  <p:cSld>
+    <p:bg>
+      <p:bgPr>
+        <a:solidFill>
+          <a:schemeClr val="bg1"/>
+        </a:solidFill>
+        <a:effectLst/>
+      </p:bgPr>
+    </p:bg>
+    <p:spTree>
+      <p:nvGrpSpPr>
+        <p:cNvPr id="1" name=""/>
+        <p:cNvGrpSpPr/>
+        <p:nvPr/>
+      </p:nvGrpSpPr>
+      <p:grpSpPr>
+        <a:xfrm>
+          <a:off x="0" y="0"/>
+          <a:ext cx="0" cy="0"/>
+          <a:chOff x="0" y="0"/>
+          <a:chExt cx="0" cy="0"/>
+        </a:xfrm>
+      </p:grpSpPr>
+      <p:sp>
+        <p:nvSpPr>
+          <p:cNvPr id="10" name="Rectangle 9">
+            <a:extLst>
+              <a:ext uri="{FF2B5EF4-FFF2-40B4-BE49-F238E27FC236}">
+                <a16:creationId xmlns:a16="http://schemas.microsoft.com/office/drawing/2014/main" id="{09A1C012-8297-4361-ACE8-A2509FB18911}"/>
+              </a:ext>
+              <a:ext uri="{C183D7F6-B498-43B3-948B-1728B52AA6E4}">
+                <adec:decorative xmlns:adec="http://schemas.microsoft.com/office/drawing/2017/decorative" val="1"/>
+              </a:ext>
+            </a:extLst>
+          </p:cNvPr>
+          <p:cNvSpPr>
+            <a:spLocks noGrp="1" noRot="1" noChangeAspect="1" noMove="1" noResize="1" noEditPoints="1" noAdjustHandles="1" noChangeArrowheads="1" noChangeShapeType="1" noTextEdit="1"/>
+          </p:cNvSpPr>
+          <p:nvPr>
+            <p:extLst>
+              <p:ext uri="{386F3935-93C4-4BCD-93E2-E3B085C9AB24}">
+                <p16:designElem xmlns:p16="http://schemas.microsoft.com/office/powerpoint/2015/main" val="1"/>
+              </p:ext>
+            </p:extLst>
+          </p:nvPr>
+        </p:nvSpPr>
+        <p:spPr>
+          <a:xfrm>
+            <a:off x="0" y="4206240"/>
+            <a:ext cx="12192000" cy="2651760"/>
+          </a:xfrm>
+          <a:prstGeom prst="rect">
+            <a:avLst/>
+          </a:prstGeom>
+          <a:solidFill>
+            <a:schemeClr val="tx1"/>
+          </a:solidFill>
+          <a:ln>
+            <a:noFill/>
+          </a:ln>
+        </p:spPr>
+        <p:style>
+          <a:lnRef idx="2">
+            <a:schemeClr val="accent1">
+              <a:shade val="50000"/>
+            </a:schemeClr>
+          </a:lnRef>
+          <a:fillRef idx="1">
+            <a:schemeClr val="accent1"/>
+          </a:fillRef>
+          <a:effectRef idx="0">
+            <a:schemeClr val="accent1"/>
+          </a:effectRef>
+          <a:fontRef idx="minor">
+            <a:schemeClr val="lt1"/>
+          </a:fontRef>
+        </p:style>
+        <p:txBody>
+          <a:bodyPr rtlCol="0" anchor="ctr"/>
+          <a:lstStyle/>
+          <a:p>
+            <a:pPr algn="ctr"/>
+            <a:endParaRPr lang="en-US"/>
+          </a:p>
+        </p:txBody>
+      </p:sp>
+      <p:sp useBgFill="1">
+        <p:nvSpPr>
+          <p:cNvPr id="12" name="Rectangle 11">
+            <a:extLst>
+              <a:ext uri="{FF2B5EF4-FFF2-40B4-BE49-F238E27FC236}">
+                <a16:creationId xmlns:a16="http://schemas.microsoft.com/office/drawing/2014/main" id="{4AA13AD3-0A4F-475A-BEBB-DEEFF5C096C3}"/>
+              </a:ext>
+              <a:ext uri="{C183D7F6-B498-43B3-948B-1728B52AA6E4}">
+                <adec:decorative xmlns:adec="http://schemas.microsoft.com/office/drawing/2017/decorative" val="1"/>
+              </a:ext>
+            </a:extLst>
+          </p:cNvPr>
+          <p:cNvSpPr>
+            <a:spLocks noGrp="1" noRot="1" noChangeAspect="1" noMove="1" noResize="1" noEditPoints="1" noAdjustHandles="1" noChangeArrowheads="1" noChangeShapeType="1" noTextEdit="1"/>
+          </p:cNvSpPr>
+          <p:nvPr>
+            <p:extLst>
+              <p:ext uri="{386F3935-93C4-4BCD-93E2-E3B085C9AB24}">
+                <p16:designElem xmlns:p16="http://schemas.microsoft.com/office/powerpoint/2015/main" val="1"/>
+              </p:ext>
+            </p:extLst>
+          </p:nvPr>
+        </p:nvSpPr>
+        <p:spPr>
+          <a:xfrm>
+            <a:off x="-7462" y="0"/>
+            <a:ext cx="12188952" cy="6858000"/>
+          </a:xfrm>
+          <a:prstGeom prst="rect">
+            <a:avLst/>
+          </a:prstGeom>
+          <a:ln>
+            <a:noFill/>
+          </a:ln>
+        </p:spPr>
+        <p:style>
+          <a:lnRef idx="2">
+            <a:schemeClr val="accent1">
+              <a:shade val="50000"/>
+            </a:schemeClr>
+          </a:lnRef>
+          <a:fillRef idx="1">
+            <a:schemeClr val="accent1"/>
+          </a:fillRef>
+          <a:effectRef idx="0">
+            <a:schemeClr val="accent1"/>
+          </a:effectRef>
+          <a:fontRef idx="minor">
+            <a:schemeClr val="lt1"/>
+          </a:fontRef>
+        </p:style>
+        <p:txBody>
+          <a:bodyPr rtlCol="0" anchor="ctr"/>
+          <a:lstStyle/>
+          <a:p>
+            <a:pPr algn="ctr"/>
+            <a:endParaRPr lang="en-US"/>
+          </a:p>
+        </p:txBody>
+      </p:sp>
+      <p:sp>
+        <p:nvSpPr>
+          <p:cNvPr id="14" name="Rectangle 13">
+            <a:extLst>
+              <a:ext uri="{FF2B5EF4-FFF2-40B4-BE49-F238E27FC236}">
+                <a16:creationId xmlns:a16="http://schemas.microsoft.com/office/drawing/2014/main" id="{D65E0E3C-32F3-480B-9842-7611BBE2EE9F}"/>
+              </a:ext>
+              <a:ext uri="{C183D7F6-B498-43B3-948B-1728B52AA6E4}">
+                <adec:decorative xmlns:adec="http://schemas.microsoft.com/office/drawing/2017/decorative" val="1"/>
+              </a:ext>
+            </a:extLst>
+          </p:cNvPr>
+          <p:cNvSpPr>
+            <a:spLocks noGrp="1" noRot="1" noChangeAspect="1" noMove="1" noResize="1" noEditPoints="1" noAdjustHandles="1" noChangeArrowheads="1" noChangeShapeType="1" noTextEdit="1"/>
+          </p:cNvSpPr>
+          <p:nvPr>
+            <p:extLst>
+              <p:ext uri="{386F3935-93C4-4BCD-93E2-E3B085C9AB24}">
+                <p16:designElem xmlns:p16="http://schemas.microsoft.com/office/powerpoint/2015/main" val="1"/>
+              </p:ext>
+            </p:extLst>
+          </p:nvPr>
+        </p:nvSpPr>
+        <p:spPr>
+          <a:xfrm>
+            <a:off x="4657345" y="0"/>
+            <a:ext cx="7534655" cy="6858000"/>
+          </a:xfrm>
+          <a:prstGeom prst="rect">
+            <a:avLst/>
+          </a:prstGeom>
+          <a:solidFill>
+            <a:schemeClr val="tx1"/>
+          </a:solidFill>
+          <a:ln>
+            <a:noFill/>
+          </a:ln>
+        </p:spPr>
+        <p:style>
+          <a:lnRef idx="2">
+            <a:schemeClr val="accent1">
+              <a:shade val="50000"/>
+            </a:schemeClr>
+          </a:lnRef>
+          <a:fillRef idx="1">
+            <a:schemeClr val="accent1"/>
+          </a:fillRef>
+          <a:effectRef idx="0">
+            <a:schemeClr val="accent1"/>
+          </a:effectRef>
+          <a:fontRef idx="minor">
+            <a:schemeClr val="lt1"/>
+          </a:fontRef>
+        </p:style>
+        <p:txBody>
+          <a:bodyPr rtlCol="0" anchor="ctr"/>
+          <a:lstStyle/>
+          <a:p>
+            <a:pPr algn="ctr"/>
+            <a:endParaRPr lang="en-US"/>
+          </a:p>
+        </p:txBody>
+      </p:sp>
+      <p:sp>
+        <p:nvSpPr>
+          <p:cNvPr id="2" name="Title 1">
+            <a:extLst>
+              <a:ext uri="{FF2B5EF4-FFF2-40B4-BE49-F238E27FC236}">
+                <a16:creationId xmlns:a16="http://schemas.microsoft.com/office/drawing/2014/main" id="{446FEC85-15BF-A137-4BC5-CF65AE837107}"/>
+              </a:ext>
+            </a:extLst>
+          </p:cNvPr>
+          <p:cNvSpPr>
+            <a:spLocks noGrp="1"/>
+          </p:cNvSpPr>
+          <p:nvPr>
+            <p:ph type="title"/>
+          </p:nvPr>
+        </p:nvSpPr>
+        <p:spPr>
+          <a:xfrm>
+            <a:off x="5315736" y="640081"/>
+            <a:ext cx="5916145" cy="3812102"/>
+          </a:xfrm>
+        </p:spPr>
+        <p:txBody>
+          <a:bodyPr vert="horz" lIns="91440" tIns="45720" rIns="91440" bIns="45720" rtlCol="0" anchor="b">
+            <a:normAutofit/>
+          </a:bodyPr>
+          <a:lstStyle/>
+          <a:p>
+            <a:pPr algn="ctr"/>
+            <a:r>
+              <a:rPr lang="en-US" i="0">
+                <a:solidFill>
+                  <a:srgbClr val="FFFFFF"/>
+                </a:solidFill>
+                <a:effectLst/>
+                <a:latin typeface="Calibri" panose="020F0502020204030204" pitchFamily="34" charset="0"/>
+                <a:cs typeface="Calibri" panose="020F0502020204030204" pitchFamily="34" charset="0"/>
+              </a:rPr>
+              <a:t>Synonyms Searcher</a:t>
+            </a:r>
+          </a:p>
+        </p:txBody>
+      </p:sp>
+      <p:pic>
+        <p:nvPicPr>
+          <p:cNvPr id="4" name="Picture 3">
+            <a:extLst>
+              <a:ext uri="{FF2B5EF4-FFF2-40B4-BE49-F238E27FC236}">
+                <a16:creationId xmlns:a16="http://schemas.microsoft.com/office/drawing/2014/main" id="{E8C0B80B-51BF-4024-7F4A-3A801D92FF77}"/>
+              </a:ext>
+            </a:extLst>
+          </p:cNvPr>
+          <p:cNvPicPr>
+            <a:picLocks noChangeAspect="1"/>
+          </p:cNvPicPr>
+          <p:nvPr/>
+        </p:nvPicPr>
+        <p:blipFill>
+          <a:blip r:embed="rId2"/>
+          <a:stretch>
+            <a:fillRect/>
+          </a:stretch>
+        </p:blipFill>
+        <p:spPr>
+          <a:xfrm>
+            <a:off x="132892" y="640081"/>
+            <a:ext cx="4384099" cy="5724691"/>
+          </a:xfrm>
+          <a:prstGeom prst="rect">
+            <a:avLst/>
+          </a:prstGeom>
+        </p:spPr>
+      </p:pic>
+    </p:spTree>
+    <p:extLst>
+      <p:ext uri="{BB962C8B-B14F-4D97-AF65-F5344CB8AC3E}">
+        <p14:creationId xmlns:p14="http://schemas.microsoft.com/office/powerpoint/2010/main" val="1381307711"/>
+      </p:ext>
+    </p:extLst>
+  </p:cSld>
+  <p:clrMapOvr>
+    <a:masterClrMapping/>
+  </p:clrMapOvr>
+</p:sld>
+</file>
+
+<file path=ppt/slides/slide12.xml><?xml version="1.0" encoding="utf-8"?>
+<p:sld xmlns:a="http://schemas.openxmlformats.org/drawingml/2006/main" xmlns:r="http://schemas.openxmlformats.org/officeDocument/2006/relationships" xmlns:p="http://schemas.openxmlformats.org/presentationml/2006/main">
+  <p:cSld>
+    <p:bg>
+      <p:bgPr>
+        <a:solidFill>
+          <a:schemeClr val="bg1"/>
+        </a:solidFill>
+        <a:effectLst/>
+      </p:bgPr>
+    </p:bg>
+    <p:spTree>
+      <p:nvGrpSpPr>
+        <p:cNvPr id="1" name=""/>
+        <p:cNvGrpSpPr/>
+        <p:nvPr/>
+      </p:nvGrpSpPr>
+      <p:grpSpPr>
+        <a:xfrm>
+          <a:off x="0" y="0"/>
+          <a:ext cx="0" cy="0"/>
+          <a:chOff x="0" y="0"/>
+          <a:chExt cx="0" cy="0"/>
+        </a:xfrm>
+      </p:grpSpPr>
+      <p:sp>
+        <p:nvSpPr>
+          <p:cNvPr id="10" name="Rectangle 9">
+            <a:extLst>
+              <a:ext uri="{FF2B5EF4-FFF2-40B4-BE49-F238E27FC236}">
+                <a16:creationId xmlns:a16="http://schemas.microsoft.com/office/drawing/2014/main" id="{09A1C012-8297-4361-ACE8-A2509FB18911}"/>
+              </a:ext>
+              <a:ext uri="{C183D7F6-B498-43B3-948B-1728B52AA6E4}">
+                <adec:decorative xmlns:adec="http://schemas.microsoft.com/office/drawing/2017/decorative" val="1"/>
+              </a:ext>
+            </a:extLst>
+          </p:cNvPr>
+          <p:cNvSpPr>
+            <a:spLocks noGrp="1" noRot="1" noChangeAspect="1" noMove="1" noResize="1" noEditPoints="1" noAdjustHandles="1" noChangeArrowheads="1" noChangeShapeType="1" noTextEdit="1"/>
+          </p:cNvSpPr>
+          <p:nvPr>
+            <p:extLst>
+              <p:ext uri="{386F3935-93C4-4BCD-93E2-E3B085C9AB24}">
+                <p16:designElem xmlns:p16="http://schemas.microsoft.com/office/powerpoint/2015/main" val="1"/>
+              </p:ext>
+            </p:extLst>
+          </p:nvPr>
+        </p:nvSpPr>
+        <p:spPr>
+          <a:xfrm>
+            <a:off x="0" y="4206240"/>
+            <a:ext cx="12192000" cy="2651760"/>
+          </a:xfrm>
+          <a:prstGeom prst="rect">
+            <a:avLst/>
+          </a:prstGeom>
+          <a:solidFill>
+            <a:schemeClr val="tx1"/>
+          </a:solidFill>
+          <a:ln>
+            <a:noFill/>
+          </a:ln>
+        </p:spPr>
+        <p:style>
+          <a:lnRef idx="2">
+            <a:schemeClr val="accent1">
+              <a:shade val="50000"/>
+            </a:schemeClr>
+          </a:lnRef>
+          <a:fillRef idx="1">
+            <a:schemeClr val="accent1"/>
+          </a:fillRef>
+          <a:effectRef idx="0">
+            <a:schemeClr val="accent1"/>
+          </a:effectRef>
+          <a:fontRef idx="minor">
+            <a:schemeClr val="lt1"/>
+          </a:fontRef>
+        </p:style>
+        <p:txBody>
+          <a:bodyPr rtlCol="0" anchor="ctr"/>
+          <a:lstStyle/>
+          <a:p>
+            <a:pPr algn="ctr"/>
+            <a:endParaRPr lang="en-US"/>
+          </a:p>
+        </p:txBody>
+      </p:sp>
+      <p:sp useBgFill="1">
+        <p:nvSpPr>
+          <p:cNvPr id="12" name="Rectangle 11">
+            <a:extLst>
+              <a:ext uri="{FF2B5EF4-FFF2-40B4-BE49-F238E27FC236}">
+                <a16:creationId xmlns:a16="http://schemas.microsoft.com/office/drawing/2014/main" id="{4AA13AD3-0A4F-475A-BEBB-DEEFF5C096C3}"/>
+              </a:ext>
+              <a:ext uri="{C183D7F6-B498-43B3-948B-1728B52AA6E4}">
+                <adec:decorative xmlns:adec="http://schemas.microsoft.com/office/drawing/2017/decorative" val="1"/>
+              </a:ext>
+            </a:extLst>
+          </p:cNvPr>
+          <p:cNvSpPr>
+            <a:spLocks noGrp="1" noRot="1" noChangeAspect="1" noMove="1" noResize="1" noEditPoints="1" noAdjustHandles="1" noChangeArrowheads="1" noChangeShapeType="1" noTextEdit="1"/>
+          </p:cNvSpPr>
+          <p:nvPr>
+            <p:extLst>
+              <p:ext uri="{386F3935-93C4-4BCD-93E2-E3B085C9AB24}">
+                <p16:designElem xmlns:p16="http://schemas.microsoft.com/office/powerpoint/2015/main" val="1"/>
+              </p:ext>
+            </p:extLst>
+          </p:nvPr>
+        </p:nvSpPr>
+        <p:spPr>
+          <a:xfrm>
+            <a:off x="-7462" y="0"/>
+            <a:ext cx="12188952" cy="6858000"/>
+          </a:xfrm>
+          <a:prstGeom prst="rect">
+            <a:avLst/>
+          </a:prstGeom>
+          <a:ln>
+            <a:noFill/>
+          </a:ln>
+        </p:spPr>
+        <p:style>
+          <a:lnRef idx="2">
+            <a:schemeClr val="accent1">
+              <a:shade val="50000"/>
+            </a:schemeClr>
+          </a:lnRef>
+          <a:fillRef idx="1">
+            <a:schemeClr val="accent1"/>
+          </a:fillRef>
+          <a:effectRef idx="0">
+            <a:schemeClr val="accent1"/>
+          </a:effectRef>
+          <a:fontRef idx="minor">
+            <a:schemeClr val="lt1"/>
+          </a:fontRef>
+        </p:style>
+        <p:txBody>
+          <a:bodyPr rtlCol="0" anchor="ctr"/>
+          <a:lstStyle/>
+          <a:p>
+            <a:pPr algn="ctr"/>
+            <a:endParaRPr lang="en-US"/>
+          </a:p>
+        </p:txBody>
+      </p:sp>
+      <p:sp>
+        <p:nvSpPr>
+          <p:cNvPr id="14" name="Rectangle 13">
+            <a:extLst>
+              <a:ext uri="{FF2B5EF4-FFF2-40B4-BE49-F238E27FC236}">
+                <a16:creationId xmlns:a16="http://schemas.microsoft.com/office/drawing/2014/main" id="{D65E0E3C-32F3-480B-9842-7611BBE2EE9F}"/>
+              </a:ext>
+              <a:ext uri="{C183D7F6-B498-43B3-948B-1728B52AA6E4}">
+                <adec:decorative xmlns:adec="http://schemas.microsoft.com/office/drawing/2017/decorative" val="1"/>
+              </a:ext>
+            </a:extLst>
+          </p:cNvPr>
+          <p:cNvSpPr>
+            <a:spLocks noGrp="1" noRot="1" noChangeAspect="1" noMove="1" noResize="1" noEditPoints="1" noAdjustHandles="1" noChangeArrowheads="1" noChangeShapeType="1" noTextEdit="1"/>
+          </p:cNvSpPr>
+          <p:nvPr>
+            <p:extLst>
+              <p:ext uri="{386F3935-93C4-4BCD-93E2-E3B085C9AB24}">
+                <p16:designElem xmlns:p16="http://schemas.microsoft.com/office/powerpoint/2015/main" val="1"/>
+              </p:ext>
+            </p:extLst>
+          </p:nvPr>
+        </p:nvSpPr>
+        <p:spPr>
+          <a:xfrm>
+            <a:off x="4657345" y="0"/>
+            <a:ext cx="7534655" cy="6858000"/>
+          </a:xfrm>
+          <a:prstGeom prst="rect">
+            <a:avLst/>
+          </a:prstGeom>
+          <a:solidFill>
+            <a:schemeClr val="tx1"/>
+          </a:solidFill>
+          <a:ln>
+            <a:noFill/>
+          </a:ln>
+        </p:spPr>
+        <p:style>
+          <a:lnRef idx="2">
+            <a:schemeClr val="accent1">
+              <a:shade val="50000"/>
+            </a:schemeClr>
+          </a:lnRef>
+          <a:fillRef idx="1">
+            <a:schemeClr val="accent1"/>
+          </a:fillRef>
+          <a:effectRef idx="0">
+            <a:schemeClr val="accent1"/>
+          </a:effectRef>
+          <a:fontRef idx="minor">
+            <a:schemeClr val="lt1"/>
+          </a:fontRef>
+        </p:style>
+        <p:txBody>
+          <a:bodyPr rtlCol="0" anchor="ctr"/>
+          <a:lstStyle/>
+          <a:p>
+            <a:pPr algn="ctr"/>
+            <a:endParaRPr lang="en-US"/>
+          </a:p>
+        </p:txBody>
+      </p:sp>
+      <p:sp>
+        <p:nvSpPr>
+          <p:cNvPr id="2" name="Title 1">
+            <a:extLst>
+              <a:ext uri="{FF2B5EF4-FFF2-40B4-BE49-F238E27FC236}">
+                <a16:creationId xmlns:a16="http://schemas.microsoft.com/office/drawing/2014/main" id="{446FEC85-15BF-A137-4BC5-CF65AE837107}"/>
+              </a:ext>
+            </a:extLst>
+          </p:cNvPr>
+          <p:cNvSpPr>
+            <a:spLocks noGrp="1"/>
+          </p:cNvSpPr>
+          <p:nvPr>
+            <p:ph type="title"/>
+          </p:nvPr>
+        </p:nvSpPr>
+        <p:spPr>
+          <a:xfrm>
+            <a:off x="5315736" y="640081"/>
+            <a:ext cx="5916145" cy="3812102"/>
+          </a:xfrm>
+        </p:spPr>
+        <p:txBody>
+          <a:bodyPr vert="horz" lIns="91440" tIns="45720" rIns="91440" bIns="45720" rtlCol="0" anchor="b">
+            <a:normAutofit/>
+          </a:bodyPr>
+          <a:lstStyle/>
+          <a:p>
+            <a:pPr algn="ctr"/>
+            <a:r>
+              <a:rPr lang="en-US" i="0">
+                <a:solidFill>
+                  <a:srgbClr val="FFFFFF"/>
+                </a:solidFill>
+                <a:effectLst/>
+                <a:latin typeface="Calibri" panose="020F0502020204030204" pitchFamily="34" charset="0"/>
+                <a:cs typeface="Calibri" panose="020F0502020204030204" pitchFamily="34" charset="0"/>
+              </a:rPr>
+              <a:t>Irregular verbs table</a:t>
+            </a:r>
+          </a:p>
+        </p:txBody>
+      </p:sp>
+      <p:pic>
+        <p:nvPicPr>
+          <p:cNvPr id="7" name="Picture 6">
+            <a:extLst>
+              <a:ext uri="{FF2B5EF4-FFF2-40B4-BE49-F238E27FC236}">
+                <a16:creationId xmlns:a16="http://schemas.microsoft.com/office/drawing/2014/main" id="{137247BB-407E-56B1-BDEC-1DC50A0A5D44}"/>
+              </a:ext>
+            </a:extLst>
+          </p:cNvPr>
+          <p:cNvPicPr>
+            <a:picLocks noChangeAspect="1"/>
+          </p:cNvPicPr>
+          <p:nvPr/>
+        </p:nvPicPr>
+        <p:blipFill>
+          <a:blip r:embed="rId2"/>
+          <a:stretch>
+            <a:fillRect/>
+          </a:stretch>
+        </p:blipFill>
+        <p:spPr>
+          <a:xfrm>
+            <a:off x="-17972" y="0"/>
+            <a:ext cx="5194538" cy="6858000"/>
+          </a:xfrm>
+          <a:prstGeom prst="rect">
+            <a:avLst/>
+          </a:prstGeom>
+        </p:spPr>
+      </p:pic>
+    </p:spTree>
+    <p:extLst>
+      <p:ext uri="{BB962C8B-B14F-4D97-AF65-F5344CB8AC3E}">
+        <p14:creationId xmlns:p14="http://schemas.microsoft.com/office/powerpoint/2010/main" val="2552304195"/>
+      </p:ext>
+    </p:extLst>
+  </p:cSld>
+  <p:clrMapOvr>
+    <a:masterClrMapping/>
+  </p:clrMapOvr>
+</p:sld>
+</file>
+
+<file path=ppt/slides/slide13.xml><?xml version="1.0" encoding="utf-8"?>
+<p:sld xmlns:a="http://schemas.openxmlformats.org/drawingml/2006/main" xmlns:r="http://schemas.openxmlformats.org/officeDocument/2006/relationships" xmlns:p="http://schemas.openxmlformats.org/presentationml/2006/main">
+  <p:cSld>
+    <p:spTree>
+      <p:nvGrpSpPr>
+        <p:cNvPr id="1" name=""/>
+        <p:cNvGrpSpPr/>
+        <p:nvPr/>
+      </p:nvGrpSpPr>
+      <p:grpSpPr>
+        <a:xfrm>
+          <a:off x="0" y="0"/>
+          <a:ext cx="0" cy="0"/>
+          <a:chOff x="0" y="0"/>
+          <a:chExt cx="0" cy="0"/>
+        </a:xfrm>
+      </p:grpSpPr>
+      <p:sp>
+        <p:nvSpPr>
+          <p:cNvPr id="2" name="Title 1">
+            <a:extLst>
+              <a:ext uri="{FF2B5EF4-FFF2-40B4-BE49-F238E27FC236}">
+                <a16:creationId xmlns:a16="http://schemas.microsoft.com/office/drawing/2014/main" id="{0C6925E2-02DE-BBEB-648A-9D24D0A8964A}"/>
+              </a:ext>
+            </a:extLst>
+          </p:cNvPr>
+          <p:cNvSpPr>
+            <a:spLocks noGrp="1"/>
+          </p:cNvSpPr>
+          <p:nvPr>
+            <p:ph type="title"/>
+          </p:nvPr>
+        </p:nvSpPr>
+        <p:spPr/>
+        <p:txBody>
+          <a:bodyPr/>
+          <a:lstStyle/>
+          <a:p>
+            <a:endParaRPr lang="en-US"/>
+          </a:p>
+        </p:txBody>
+      </p:sp>
+      <p:sp>
+        <p:nvSpPr>
+          <p:cNvPr id="3" name="Content Placeholder 2">
+            <a:extLst>
+              <a:ext uri="{FF2B5EF4-FFF2-40B4-BE49-F238E27FC236}">
+                <a16:creationId xmlns:a16="http://schemas.microsoft.com/office/drawing/2014/main" id="{D668BA62-E659-F426-5683-56885588F311}"/>
+              </a:ext>
+            </a:extLst>
+          </p:cNvPr>
+          <p:cNvSpPr>
+            <a:spLocks noGrp="1"/>
+          </p:cNvSpPr>
+          <p:nvPr>
+            <p:ph idx="1"/>
+          </p:nvPr>
+        </p:nvSpPr>
+        <p:spPr/>
+        <p:txBody>
+          <a:bodyPr/>
+          <a:lstStyle/>
+          <a:p>
+            <a:endParaRPr lang="en-US"/>
+          </a:p>
+        </p:txBody>
+      </p:sp>
+    </p:spTree>
+    <p:extLst>
+      <p:ext uri="{BB962C8B-B14F-4D97-AF65-F5344CB8AC3E}">
+        <p14:creationId xmlns:p14="http://schemas.microsoft.com/office/powerpoint/2010/main" val="581273870"/>
+      </p:ext>
+    </p:extLst>
+  </p:cSld>
+  <p:clrMapOvr>
+    <a:masterClrMapping/>
+  </p:clrMapOvr>
+</p:sld>
+</file>
+
+<file path=ppt/slides/slide14.xml><?xml version="1.0" encoding="utf-8"?>
+<p:sld xmlns:a="http://schemas.openxmlformats.org/drawingml/2006/main" xmlns:r="http://schemas.openxmlformats.org/officeDocument/2006/relationships" xmlns:p="http://schemas.openxmlformats.org/presentationml/2006/main">
+  <p:cSld>
+    <p:spTree>
+      <p:nvGrpSpPr>
+        <p:cNvPr id="1" name=""/>
+        <p:cNvGrpSpPr/>
+        <p:nvPr/>
+      </p:nvGrpSpPr>
+      <p:grpSpPr>
+        <a:xfrm>
+          <a:off x="0" y="0"/>
+          <a:ext cx="0" cy="0"/>
+          <a:chOff x="0" y="0"/>
+          <a:chExt cx="0" cy="0"/>
+        </a:xfrm>
+      </p:grpSpPr>
+      <p:sp>
+        <p:nvSpPr>
+          <p:cNvPr id="4" name="Title 3">
+            <a:extLst>
+              <a:ext uri="{FF2B5EF4-FFF2-40B4-BE49-F238E27FC236}">
+                <a16:creationId xmlns:a16="http://schemas.microsoft.com/office/drawing/2014/main" id="{98B6D7BF-2C61-F81C-9947-0979A9305F93}"/>
+              </a:ext>
+            </a:extLst>
+          </p:cNvPr>
+          <p:cNvSpPr>
+            <a:spLocks noGrp="1"/>
+          </p:cNvSpPr>
+          <p:nvPr>
+            <p:ph type="ctrTitle"/>
+          </p:nvPr>
+        </p:nvSpPr>
+        <p:spPr/>
+        <p:txBody>
+          <a:bodyPr>
+            <a:normAutofit/>
+          </a:bodyPr>
+          <a:lstStyle/>
+          <a:p>
+            <a:r>
+              <a:rPr lang="en-US" sz="7200" b="1">
+                <a:latin typeface="Calibri" panose="020F0502020204030204" pitchFamily="34" charset="0"/>
+                <a:cs typeface="Calibri" panose="020F0502020204030204" pitchFamily="34" charset="0"/>
+              </a:rPr>
+              <a:t>Công nghệ sử dụng</a:t>
+            </a:r>
+          </a:p>
+        </p:txBody>
+      </p:sp>
+    </p:spTree>
+    <p:extLst>
+      <p:ext uri="{BB962C8B-B14F-4D97-AF65-F5344CB8AC3E}">
+        <p14:creationId xmlns:p14="http://schemas.microsoft.com/office/powerpoint/2010/main" val="1581355281"/>
+      </p:ext>
+    </p:extLst>
+  </p:cSld>
+  <p:clrMapOvr>
+    <a:masterClrMapping/>
+  </p:clrMapOvr>
+</p:sld>
+</file>
+
+<file path=ppt/slides/slide15.xml><?xml version="1.0" encoding="utf-8"?>
+<p:sld xmlns:a="http://schemas.openxmlformats.org/drawingml/2006/main" xmlns:r="http://schemas.openxmlformats.org/officeDocument/2006/relationships" xmlns:p="http://schemas.openxmlformats.org/presentationml/2006/main">
+  <p:cSld>
+    <p:spTree>
+      <p:nvGrpSpPr>
+        <p:cNvPr id="1" name=""/>
+        <p:cNvGrpSpPr/>
+        <p:nvPr/>
+      </p:nvGrpSpPr>
+      <p:grpSpPr>
+        <a:xfrm>
+          <a:off x="0" y="0"/>
+          <a:ext cx="0" cy="0"/>
+          <a:chOff x="0" y="0"/>
+          <a:chExt cx="0" cy="0"/>
+        </a:xfrm>
+      </p:grpSpPr>
+      <p:sp>
+        <p:nvSpPr>
+          <p:cNvPr id="2" name="Title 1">
+            <a:extLst>
+              <a:ext uri="{FF2B5EF4-FFF2-40B4-BE49-F238E27FC236}">
+                <a16:creationId xmlns:a16="http://schemas.microsoft.com/office/drawing/2014/main" id="{DC306B4C-96BF-642A-2B80-0A5C6683930E}"/>
+              </a:ext>
+            </a:extLst>
+          </p:cNvPr>
+          <p:cNvSpPr>
+            <a:spLocks noGrp="1"/>
+          </p:cNvSpPr>
+          <p:nvPr>
+            <p:ph type="title"/>
+          </p:nvPr>
+        </p:nvSpPr>
+        <p:spPr/>
+        <p:txBody>
+          <a:bodyPr/>
+          <a:lstStyle/>
+          <a:p>
+            <a:r>
+              <a:rPr lang="en-US" b="1">
+                <a:latin typeface="Calibri" panose="020F0502020204030204" pitchFamily="34" charset="0"/>
+                <a:cs typeface="Calibri" panose="020F0502020204030204" pitchFamily="34" charset="0"/>
+              </a:rPr>
+              <a:t>Ngôn ngữ</a:t>
+            </a:r>
+          </a:p>
+        </p:txBody>
+      </p:sp>
+      <p:graphicFrame>
+        <p:nvGraphicFramePr>
+          <p:cNvPr id="5" name="Content Placeholder 2">
+            <a:extLst>
+              <a:ext uri="{FF2B5EF4-FFF2-40B4-BE49-F238E27FC236}">
+                <a16:creationId xmlns:a16="http://schemas.microsoft.com/office/drawing/2014/main" id="{284D7CE5-D165-D3B9-1EE6-719E958A43D0}"/>
+              </a:ext>
+            </a:extLst>
+          </p:cNvPr>
+          <p:cNvGraphicFramePr>
+            <a:graphicFrameLocks noGrp="1"/>
+          </p:cNvGraphicFramePr>
+          <p:nvPr>
+            <p:ph idx="1"/>
+          </p:nvPr>
+        </p:nvGraphicFramePr>
+        <p:xfrm>
+          <a:off x="960120" y="2587752"/>
+          <a:ext cx="10268712" cy="3593592"/>
+        </p:xfrm>
+        <a:graphic>
+          <a:graphicData uri="http://schemas.openxmlformats.org/drawingml/2006/diagram">
+            <dgm:relIds xmlns:dgm="http://schemas.openxmlformats.org/drawingml/2006/diagram" xmlns:r="http://schemas.openxmlformats.org/officeDocument/2006/relationships" r:dm="rId2" r:lo="rId3" r:qs="rId4" r:cs="rId5"/>
+          </a:graphicData>
+        </a:graphic>
+      </p:graphicFrame>
+    </p:spTree>
+    <p:extLst>
+      <p:ext uri="{BB962C8B-B14F-4D97-AF65-F5344CB8AC3E}">
+        <p14:creationId xmlns:p14="http://schemas.microsoft.com/office/powerpoint/2010/main" val="2380826150"/>
+      </p:ext>
+    </p:extLst>
+  </p:cSld>
+  <p:clrMapOvr>
+    <a:masterClrMapping/>
+  </p:clrMapOvr>
+</p:sld>
+</file>
+
+<file path=ppt/slides/slide16.xml><?xml version="1.0" encoding="utf-8"?>
+<p:sld xmlns:a="http://schemas.openxmlformats.org/drawingml/2006/main" xmlns:r="http://schemas.openxmlformats.org/officeDocument/2006/relationships" xmlns:p="http://schemas.openxmlformats.org/presentationml/2006/main">
+  <p:cSld>
+    <p:bg>
+      <p:bgPr>
+        <a:solidFill>
+          <a:schemeClr val="bg1"/>
+        </a:solidFill>
+        <a:effectLst/>
+      </p:bgPr>
+    </p:bg>
+    <p:spTree>
+      <p:nvGrpSpPr>
+        <p:cNvPr id="1" name=""/>
+        <p:cNvGrpSpPr/>
+        <p:nvPr/>
+      </p:nvGrpSpPr>
+      <p:grpSpPr>
+        <a:xfrm>
+          <a:off x="0" y="0"/>
+          <a:ext cx="0" cy="0"/>
+          <a:chOff x="0" y="0"/>
+          <a:chExt cx="0" cy="0"/>
+        </a:xfrm>
+      </p:grpSpPr>
       <p:sp useBgFill="1">
         <p:nvSpPr>
           <p:cNvPr id="9" name="Rectangle 8">
@@ -14018,7 +14117,7 @@
 </p:sld>
 </file>
 
-<file path=ppt/slides/slide11.xml><?xml version="1.0" encoding="utf-8"?>
+<file path=ppt/slides/slide17.xml><?xml version="1.0" encoding="utf-8"?>
 <p:sld xmlns:a="http://schemas.openxmlformats.org/drawingml/2006/main" xmlns:r="http://schemas.openxmlformats.org/officeDocument/2006/relationships" xmlns:p="http://schemas.openxmlformats.org/presentationml/2006/main">
   <p:cSld>
     <p:spTree>
@@ -14127,7 +14226,7 @@
 </p:sld>
 </file>
 
-<file path=ppt/slides/slide12.xml><?xml version="1.0" encoding="utf-8"?>
+<file path=ppt/slides/slide18.xml><?xml version="1.0" encoding="utf-8"?>
 <p:sld xmlns:a="http://schemas.openxmlformats.org/drawingml/2006/main" xmlns:r="http://schemas.openxmlformats.org/officeDocument/2006/relationships" xmlns:p="http://schemas.openxmlformats.org/presentationml/2006/main">
   <p:cSld>
     <p:bg>
@@ -14527,7 +14626,7 @@
 </p:sld>
 </file>
 
-<file path=ppt/slides/slide13.xml><?xml version="1.0" encoding="utf-8"?>
+<file path=ppt/slides/slide19.xml><?xml version="1.0" encoding="utf-8"?>
 <p:sld xmlns:a="http://schemas.openxmlformats.org/drawingml/2006/main" xmlns:r="http://schemas.openxmlformats.org/officeDocument/2006/relationships" xmlns:p="http://schemas.openxmlformats.org/presentationml/2006/main">
   <p:cSld>
     <p:bg>
@@ -15161,10 +15260,10 @@
       </p:sp>
       <p:pic>
         <p:nvPicPr>
-          <p:cNvPr id="5" name="Picture 4">
+          <p:cNvPr id="4" name="Picture 3">
             <a:extLst>
               <a:ext uri="{FF2B5EF4-FFF2-40B4-BE49-F238E27FC236}">
-                <a16:creationId xmlns:a16="http://schemas.microsoft.com/office/drawing/2014/main" id="{2C942846-9E07-DD2D-692C-5DF057612EB7}"/>
+                <a16:creationId xmlns:a16="http://schemas.microsoft.com/office/drawing/2014/main" id="{5E910539-0121-4D37-73E7-B104E04A7468}"/>
               </a:ext>
             </a:extLst>
           </p:cNvPr>
@@ -15181,8 +15280,8 @@
         </p:blipFill>
         <p:spPr>
           <a:xfrm>
-            <a:off x="2245363" y="2464328"/>
-            <a:ext cx="7698226" cy="4218574"/>
+            <a:off x="3419572" y="2241862"/>
+            <a:ext cx="5352855" cy="4616138"/>
           </a:xfrm>
           <a:prstGeom prst="rect">
             <a:avLst/>
@@ -15203,6 +15302,98 @@
 </file>
 
 <file path=ppt/slides/slide5.xml><?xml version="1.0" encoding="utf-8"?>
+<p:sld xmlns:a="http://schemas.openxmlformats.org/drawingml/2006/main" xmlns:r="http://schemas.openxmlformats.org/officeDocument/2006/relationships" xmlns:p="http://schemas.openxmlformats.org/presentationml/2006/main">
+  <p:cSld>
+    <p:spTree>
+      <p:nvGrpSpPr>
+        <p:cNvPr id="1" name=""/>
+        <p:cNvGrpSpPr/>
+        <p:nvPr/>
+      </p:nvGrpSpPr>
+      <p:grpSpPr>
+        <a:xfrm>
+          <a:off x="0" y="0"/>
+          <a:ext cx="0" cy="0"/>
+          <a:chOff x="0" y="0"/>
+          <a:chExt cx="0" cy="0"/>
+        </a:xfrm>
+      </p:grpSpPr>
+      <p:sp>
+        <p:nvSpPr>
+          <p:cNvPr id="2" name="Title 1">
+            <a:extLst>
+              <a:ext uri="{FF2B5EF4-FFF2-40B4-BE49-F238E27FC236}">
+                <a16:creationId xmlns:a16="http://schemas.microsoft.com/office/drawing/2014/main" id="{B27C6C76-5C8F-D999-B16D-8FF63D17E3FE}"/>
+              </a:ext>
+            </a:extLst>
+          </p:cNvPr>
+          <p:cNvSpPr>
+            <a:spLocks noGrp="1"/>
+          </p:cNvSpPr>
+          <p:nvPr>
+            <p:ph type="title"/>
+          </p:nvPr>
+        </p:nvSpPr>
+        <p:spPr/>
+        <p:txBody>
+          <a:bodyPr/>
+          <a:lstStyle/>
+          <a:p>
+            <a:pPr algn="ctr"/>
+            <a:r>
+              <a:rPr lang="en-US">
+                <a:latin typeface="Calibri" panose="020F0502020204030204" pitchFamily="34" charset="0"/>
+                <a:cs typeface="Calibri" panose="020F0502020204030204" pitchFamily="34" charset="0"/>
+              </a:rPr>
+              <a:t>Log in</a:t>
+            </a:r>
+          </a:p>
+        </p:txBody>
+      </p:sp>
+      <p:pic>
+        <p:nvPicPr>
+          <p:cNvPr id="5" name="Picture 4">
+            <a:extLst>
+              <a:ext uri="{FF2B5EF4-FFF2-40B4-BE49-F238E27FC236}">
+                <a16:creationId xmlns:a16="http://schemas.microsoft.com/office/drawing/2014/main" id="{A3F2DE30-2CC0-AEAC-7A6E-E9B10755DCDE}"/>
+              </a:ext>
+            </a:extLst>
+          </p:cNvPr>
+          <p:cNvPicPr>
+            <a:picLocks noChangeAspect="1"/>
+          </p:cNvPicPr>
+          <p:nvPr/>
+        </p:nvPicPr>
+        <p:blipFill>
+          <a:blip r:embed="rId2"/>
+          <a:stretch>
+            <a:fillRect/>
+          </a:stretch>
+        </p:blipFill>
+        <p:spPr>
+          <a:xfrm>
+            <a:off x="1965280" y="2266545"/>
+            <a:ext cx="8261440" cy="4591455"/>
+          </a:xfrm>
+          <a:prstGeom prst="rect">
+            <a:avLst/>
+          </a:prstGeom>
+        </p:spPr>
+      </p:pic>
+    </p:spTree>
+    <p:extLst>
+      <p:ext uri="{BB962C8B-B14F-4D97-AF65-F5344CB8AC3E}">
+        <p14:creationId xmlns:p14="http://schemas.microsoft.com/office/powerpoint/2010/main" val="562097920"/>
+      </p:ext>
+    </p:extLst>
+  </p:cSld>
+  <p:clrMapOvr>
+    <a:masterClrMapping/>
+  </p:clrMapOvr>
+</p:sld>
+</file>
+
+<file path=ppt/slides/slide6.xml><?xml version="1.0" encoding="utf-8"?>
 <p:sld xmlns:a="http://schemas.openxmlformats.org/drawingml/2006/main" xmlns:r="http://schemas.openxmlformats.org/officeDocument/2006/relationships" xmlns:p="http://schemas.openxmlformats.org/presentationml/2006/main">
   <p:cSld>
     <p:spTree>
@@ -15295,7 +15486,7 @@
 </p:sld>
 </file>
 
-<file path=ppt/slides/slide6.xml><?xml version="1.0" encoding="utf-8"?>
+<file path=ppt/slides/slide7.xml><?xml version="1.0" encoding="utf-8"?>
 <p:sld xmlns:a="http://schemas.openxmlformats.org/drawingml/2006/main" xmlns:r="http://schemas.openxmlformats.org/officeDocument/2006/relationships" xmlns:p="http://schemas.openxmlformats.org/presentationml/2006/main">
   <p:cSld>
     <p:spTree>
@@ -15389,7 +15580,7 @@
 </p:sld>
 </file>
 
-<file path=ppt/slides/slide7.xml><?xml version="1.0" encoding="utf-8"?>
+<file path=ppt/slides/slide8.xml><?xml version="1.0" encoding="utf-8"?>
 <p:sld xmlns:a="http://schemas.openxmlformats.org/drawingml/2006/main" xmlns:r="http://schemas.openxmlformats.org/officeDocument/2006/relationships" xmlns:p="http://schemas.openxmlformats.org/presentationml/2006/main">
   <p:cSld>
     <p:spTree>
@@ -15483,9 +15674,17 @@
 </p:sld>
 </file>
 
-<file path=ppt/slides/slide8.xml><?xml version="1.0" encoding="utf-8"?>
+<file path=ppt/slides/slide9.xml><?xml version="1.0" encoding="utf-8"?>
 <p:sld xmlns:a="http://schemas.openxmlformats.org/drawingml/2006/main" xmlns:r="http://schemas.openxmlformats.org/officeDocument/2006/relationships" xmlns:p="http://schemas.openxmlformats.org/presentationml/2006/main">
   <p:cSld>
+    <p:bg>
+      <p:bgPr>
+        <a:solidFill>
+          <a:schemeClr val="bg1"/>
+        </a:solidFill>
+        <a:effectLst/>
+      </p:bgPr>
+    </p:bg>
     <p:spTree>
       <p:nvGrpSpPr>
         <p:cNvPr id="1" name=""/>
@@ -15502,73 +15701,196 @@
       </p:grpSpPr>
       <p:sp>
         <p:nvSpPr>
-          <p:cNvPr id="4" name="Title 3">
+          <p:cNvPr id="10" name="Rectangle 9">
             <a:extLst>
               <a:ext uri="{FF2B5EF4-FFF2-40B4-BE49-F238E27FC236}">
-                <a16:creationId xmlns:a16="http://schemas.microsoft.com/office/drawing/2014/main" id="{98B6D7BF-2C61-F81C-9947-0979A9305F93}"/>
+                <a16:creationId xmlns:a16="http://schemas.microsoft.com/office/drawing/2014/main" id="{09A1C012-8297-4361-ACE8-A2509FB18911}"/>
+              </a:ext>
+              <a:ext uri="{C183D7F6-B498-43B3-948B-1728B52AA6E4}">
+                <adec:decorative xmlns:adec="http://schemas.microsoft.com/office/drawing/2017/decorative" val="1"/>
               </a:ext>
             </a:extLst>
           </p:cNvPr>
           <p:cNvSpPr>
-            <a:spLocks noGrp="1"/>
+            <a:spLocks noGrp="1" noRot="1" noChangeAspect="1" noMove="1" noResize="1" noEditPoints="1" noAdjustHandles="1" noChangeArrowheads="1" noChangeShapeType="1" noTextEdit="1"/>
           </p:cNvSpPr>
           <p:nvPr>
-            <p:ph type="ctrTitle"/>
+            <p:extLst>
+              <p:ext uri="{386F3935-93C4-4BCD-93E2-E3B085C9AB24}">
+                <p16:designElem xmlns:p16="http://schemas.microsoft.com/office/powerpoint/2015/main" val="1"/>
+              </p:ext>
+            </p:extLst>
           </p:nvPr>
         </p:nvSpPr>
-        <p:spPr/>
+        <p:spPr>
+          <a:xfrm>
+            <a:off x="0" y="4206240"/>
+            <a:ext cx="12192000" cy="2651760"/>
+          </a:xfrm>
+          <a:prstGeom prst="rect">
+            <a:avLst/>
+          </a:prstGeom>
+          <a:solidFill>
+            <a:schemeClr val="tx1"/>
+          </a:solidFill>
+          <a:ln>
+            <a:noFill/>
+          </a:ln>
+        </p:spPr>
+        <p:style>
+          <a:lnRef idx="2">
+            <a:schemeClr val="accent1">
+              <a:shade val="50000"/>
+            </a:schemeClr>
+          </a:lnRef>
+          <a:fillRef idx="1">
+            <a:schemeClr val="accent1"/>
+          </a:fillRef>
+          <a:effectRef idx="0">
+            <a:schemeClr val="accent1"/>
+          </a:effectRef>
+          <a:fontRef idx="minor">
+            <a:schemeClr val="lt1"/>
+          </a:fontRef>
+        </p:style>
         <p:txBody>
-          <a:bodyPr>
-            <a:normAutofit/>
-          </a:bodyPr>
+          <a:bodyPr rtlCol="0" anchor="ctr"/>
           <a:lstStyle/>
           <a:p>
-            <a:r>
-              <a:rPr lang="en-US" sz="7200" b="1">
-                <a:latin typeface="Calibri" panose="020F0502020204030204" pitchFamily="34" charset="0"/>
-                <a:cs typeface="Calibri" panose="020F0502020204030204" pitchFamily="34" charset="0"/>
-              </a:rPr>
-              <a:t>Công nghệ sử dụng</a:t>
-            </a:r>
+            <a:pPr algn="ctr"/>
+            <a:endParaRPr lang="en-US"/>
           </a:p>
         </p:txBody>
       </p:sp>
-    </p:spTree>
-    <p:extLst>
-      <p:ext uri="{BB962C8B-B14F-4D97-AF65-F5344CB8AC3E}">
-        <p14:creationId xmlns:p14="http://schemas.microsoft.com/office/powerpoint/2010/main" val="1581355281"/>
-      </p:ext>
-    </p:extLst>
-  </p:cSld>
-  <p:clrMapOvr>
-    <a:masterClrMapping/>
-  </p:clrMapOvr>
-</p:sld>
-</file>
-
-<file path=ppt/slides/slide9.xml><?xml version="1.0" encoding="utf-8"?>
-<p:sld xmlns:a="http://schemas.openxmlformats.org/drawingml/2006/main" xmlns:r="http://schemas.openxmlformats.org/officeDocument/2006/relationships" xmlns:p="http://schemas.openxmlformats.org/presentationml/2006/main">
-  <p:cSld>
-    <p:spTree>
-      <p:nvGrpSpPr>
-        <p:cNvPr id="1" name=""/>
-        <p:cNvGrpSpPr/>
-        <p:nvPr/>
-      </p:nvGrpSpPr>
-      <p:grpSpPr>
-        <a:xfrm>
-          <a:off x="0" y="0"/>
-          <a:ext cx="0" cy="0"/>
-          <a:chOff x="0" y="0"/>
-          <a:chExt cx="0" cy="0"/>
-        </a:xfrm>
-      </p:grpSpPr>
+      <p:sp useBgFill="1">
+        <p:nvSpPr>
+          <p:cNvPr id="12" name="Rectangle 11">
+            <a:extLst>
+              <a:ext uri="{FF2B5EF4-FFF2-40B4-BE49-F238E27FC236}">
+                <a16:creationId xmlns:a16="http://schemas.microsoft.com/office/drawing/2014/main" id="{4AA13AD3-0A4F-475A-BEBB-DEEFF5C096C3}"/>
+              </a:ext>
+              <a:ext uri="{C183D7F6-B498-43B3-948B-1728B52AA6E4}">
+                <adec:decorative xmlns:adec="http://schemas.microsoft.com/office/drawing/2017/decorative" val="1"/>
+              </a:ext>
+            </a:extLst>
+          </p:cNvPr>
+          <p:cNvSpPr>
+            <a:spLocks noGrp="1" noRot="1" noChangeAspect="1" noMove="1" noResize="1" noEditPoints="1" noAdjustHandles="1" noChangeArrowheads="1" noChangeShapeType="1" noTextEdit="1"/>
+          </p:cNvSpPr>
+          <p:nvPr>
+            <p:extLst>
+              <p:ext uri="{386F3935-93C4-4BCD-93E2-E3B085C9AB24}">
+                <p16:designElem xmlns:p16="http://schemas.microsoft.com/office/powerpoint/2015/main" val="1"/>
+              </p:ext>
+            </p:extLst>
+          </p:nvPr>
+        </p:nvSpPr>
+        <p:spPr>
+          <a:xfrm>
+            <a:off x="-7462" y="0"/>
+            <a:ext cx="12188952" cy="6858000"/>
+          </a:xfrm>
+          <a:prstGeom prst="rect">
+            <a:avLst/>
+          </a:prstGeom>
+          <a:ln>
+            <a:noFill/>
+          </a:ln>
+        </p:spPr>
+        <p:style>
+          <a:lnRef idx="2">
+            <a:schemeClr val="accent1">
+              <a:shade val="50000"/>
+            </a:schemeClr>
+          </a:lnRef>
+          <a:fillRef idx="1">
+            <a:schemeClr val="accent1"/>
+          </a:fillRef>
+          <a:effectRef idx="0">
+            <a:schemeClr val="accent1"/>
+          </a:effectRef>
+          <a:fontRef idx="minor">
+            <a:schemeClr val="lt1"/>
+          </a:fontRef>
+        </p:style>
+        <p:txBody>
+          <a:bodyPr rtlCol="0" anchor="ctr"/>
+          <a:lstStyle/>
+          <a:p>
+            <a:pPr algn="ctr"/>
+            <a:endParaRPr lang="en-US"/>
+          </a:p>
+        </p:txBody>
+      </p:sp>
+      <p:sp>
+        <p:nvSpPr>
+          <p:cNvPr id="14" name="Rectangle 13">
+            <a:extLst>
+              <a:ext uri="{FF2B5EF4-FFF2-40B4-BE49-F238E27FC236}">
+                <a16:creationId xmlns:a16="http://schemas.microsoft.com/office/drawing/2014/main" id="{D65E0E3C-32F3-480B-9842-7611BBE2EE9F}"/>
+              </a:ext>
+              <a:ext uri="{C183D7F6-B498-43B3-948B-1728B52AA6E4}">
+                <adec:decorative xmlns:adec="http://schemas.microsoft.com/office/drawing/2017/decorative" val="1"/>
+              </a:ext>
+            </a:extLst>
+          </p:cNvPr>
+          <p:cNvSpPr>
+            <a:spLocks noGrp="1" noRot="1" noChangeAspect="1" noMove="1" noResize="1" noEditPoints="1" noAdjustHandles="1" noChangeArrowheads="1" noChangeShapeType="1" noTextEdit="1"/>
+          </p:cNvSpPr>
+          <p:nvPr>
+            <p:extLst>
+              <p:ext uri="{386F3935-93C4-4BCD-93E2-E3B085C9AB24}">
+                <p16:designElem xmlns:p16="http://schemas.microsoft.com/office/powerpoint/2015/main" val="1"/>
+              </p:ext>
+            </p:extLst>
+          </p:nvPr>
+        </p:nvSpPr>
+        <p:spPr>
+          <a:xfrm>
+            <a:off x="4657345" y="0"/>
+            <a:ext cx="7534655" cy="6858000"/>
+          </a:xfrm>
+          <a:prstGeom prst="rect">
+            <a:avLst/>
+          </a:prstGeom>
+          <a:solidFill>
+            <a:schemeClr val="tx1"/>
+          </a:solidFill>
+          <a:ln>
+            <a:noFill/>
+          </a:ln>
+        </p:spPr>
+        <p:style>
+          <a:lnRef idx="2">
+            <a:schemeClr val="accent1">
+              <a:shade val="50000"/>
+            </a:schemeClr>
+          </a:lnRef>
+          <a:fillRef idx="1">
+            <a:schemeClr val="accent1"/>
+          </a:fillRef>
+          <a:effectRef idx="0">
+            <a:schemeClr val="accent1"/>
+          </a:effectRef>
+          <a:fontRef idx="minor">
+            <a:schemeClr val="lt1"/>
+          </a:fontRef>
+        </p:style>
+        <p:txBody>
+          <a:bodyPr rtlCol="0" anchor="ctr"/>
+          <a:lstStyle/>
+          <a:p>
+            <a:pPr algn="ctr"/>
+            <a:endParaRPr lang="en-US"/>
+          </a:p>
+        </p:txBody>
+      </p:sp>
       <p:sp>
         <p:nvSpPr>
           <p:cNvPr id="2" name="Title 1">
             <a:extLst>
               <a:ext uri="{FF2B5EF4-FFF2-40B4-BE49-F238E27FC236}">
-                <a16:creationId xmlns:a16="http://schemas.microsoft.com/office/drawing/2014/main" id="{DC306B4C-96BF-642A-2B80-0A5C6683930E}"/>
+                <a16:creationId xmlns:a16="http://schemas.microsoft.com/office/drawing/2014/main" id="{446FEC85-15BF-A137-4BC5-CF65AE837107}"/>
               </a:ext>
             </a:extLst>
           </p:cNvPr>
@@ -15579,51 +15901,62 @@
             <p:ph type="title"/>
           </p:nvPr>
         </p:nvSpPr>
-        <p:spPr/>
+        <p:spPr>
+          <a:xfrm>
+            <a:off x="6096000" y="1972567"/>
+            <a:ext cx="5916145" cy="2912863"/>
+          </a:xfrm>
+        </p:spPr>
         <p:txBody>
-          <a:bodyPr/>
+          <a:bodyPr vert="horz" lIns="91440" tIns="45720" rIns="91440" bIns="45720" rtlCol="0" anchor="b">
+            <a:normAutofit/>
+          </a:bodyPr>
           <a:lstStyle/>
           <a:p>
             <a:r>
-              <a:rPr lang="en-US" b="1">
+              <a:rPr lang="en-US">
                 <a:latin typeface="Calibri" panose="020F0502020204030204" pitchFamily="34" charset="0"/>
                 <a:cs typeface="Calibri" panose="020F0502020204030204" pitchFamily="34" charset="0"/>
               </a:rPr>
-              <a:t>Ngôn ngữ</a:t>
+              <a:t>Pronounce English Words</a:t>
             </a:r>
           </a:p>
         </p:txBody>
       </p:sp>
-      <p:graphicFrame>
-        <p:nvGraphicFramePr>
-          <p:cNvPr id="5" name="Content Placeholder 2">
+      <p:pic>
+        <p:nvPicPr>
+          <p:cNvPr id="5" name="Picture 4">
             <a:extLst>
               <a:ext uri="{FF2B5EF4-FFF2-40B4-BE49-F238E27FC236}">
-                <a16:creationId xmlns:a16="http://schemas.microsoft.com/office/drawing/2014/main" id="{284D7CE5-D165-D3B9-1EE6-719E958A43D0}"/>
+                <a16:creationId xmlns:a16="http://schemas.microsoft.com/office/drawing/2014/main" id="{F65DA654-65C3-69DC-C065-2F5F752BC93D}"/>
               </a:ext>
             </a:extLst>
           </p:cNvPr>
-          <p:cNvGraphicFramePr>
-            <a:graphicFrameLocks noGrp="1"/>
-          </p:cNvGraphicFramePr>
-          <p:nvPr>
-            <p:ph idx="1"/>
-          </p:nvPr>
-        </p:nvGraphicFramePr>
-        <p:xfrm>
-          <a:off x="960120" y="2587752"/>
-          <a:ext cx="10268712" cy="3593592"/>
-        </p:xfrm>
-        <a:graphic>
-          <a:graphicData uri="http://schemas.openxmlformats.org/drawingml/2006/diagram">
-            <dgm:relIds xmlns:dgm="http://schemas.openxmlformats.org/drawingml/2006/diagram" xmlns:r="http://schemas.openxmlformats.org/officeDocument/2006/relationships" r:dm="rId2" r:lo="rId3" r:qs="rId4" r:cs="rId5"/>
-          </a:graphicData>
-        </a:graphic>
-      </p:graphicFrame>
+          <p:cNvPicPr>
+            <a:picLocks noChangeAspect="1"/>
+          </p:cNvPicPr>
+          <p:nvPr/>
+        </p:nvPicPr>
+        <p:blipFill>
+          <a:blip r:embed="rId2"/>
+          <a:stretch>
+            <a:fillRect/>
+          </a:stretch>
+        </p:blipFill>
+        <p:spPr>
+          <a:xfrm>
+            <a:off x="-17972" y="1073078"/>
+            <a:ext cx="4675317" cy="4711843"/>
+          </a:xfrm>
+          <a:prstGeom prst="rect">
+            <a:avLst/>
+          </a:prstGeom>
+        </p:spPr>
+      </p:pic>
     </p:spTree>
     <p:extLst>
       <p:ext uri="{BB962C8B-B14F-4D97-AF65-F5344CB8AC3E}">
-        <p14:creationId xmlns:p14="http://schemas.microsoft.com/office/powerpoint/2010/main" val="2380826150"/>
+        <p14:creationId xmlns:p14="http://schemas.microsoft.com/office/powerpoint/2010/main" val="87336679"/>
       </p:ext>
     </p:extLst>
   </p:cSld>
